--- a/Prezentace.pptx
+++ b/Prezentace.pptx
@@ -9,7 +9,8 @@
     <p:sldId id="262" r:id="rId3"/>
     <p:sldId id="259" r:id="rId4"/>
     <p:sldId id="264" r:id="rId5"/>
-    <p:sldId id="263" r:id="rId6"/>
+    <p:sldId id="265" r:id="rId6"/>
+    <p:sldId id="263" r:id="rId7"/>
   </p:sldIdLst>
   <p:sldSz cx="12192000" cy="6858000"/>
   <p:notesSz cx="6858000" cy="9144000"/>
@@ -108,6 +109,11 @@
       </a:defRPr>
     </a:lvl9pPr>
   </p:defaultTextStyle>
+  <p:extLst>
+    <p:ext uri="{EFAFB233-063F-42B5-8137-9DF3F51BA10A}">
+      <p15:sldGuideLst xmlns:p15="http://schemas.microsoft.com/office/powerpoint/2012/main"/>
+    </p:ext>
+  </p:extLst>
 </p:presentation>
 </file>
 
@@ -258,7 +264,7 @@
           <a:p>
             <a:fld id="{0665521D-4E4E-409C-A4D9-9D6D8E23D14B}" type="datetimeFigureOut">
               <a:rPr lang="cs-CZ" smtClean="0"/>
-              <a:t>14.11.2023</a:t>
+              <a:t>10.12.2023</a:t>
             </a:fld>
             <a:endParaRPr lang="cs-CZ"/>
           </a:p>
@@ -456,7 +462,7 @@
           <a:p>
             <a:fld id="{0665521D-4E4E-409C-A4D9-9D6D8E23D14B}" type="datetimeFigureOut">
               <a:rPr lang="cs-CZ" smtClean="0"/>
-              <a:t>14.11.2023</a:t>
+              <a:t>10.12.2023</a:t>
             </a:fld>
             <a:endParaRPr lang="cs-CZ"/>
           </a:p>
@@ -664,7 +670,7 @@
           <a:p>
             <a:fld id="{0665521D-4E4E-409C-A4D9-9D6D8E23D14B}" type="datetimeFigureOut">
               <a:rPr lang="cs-CZ" smtClean="0"/>
-              <a:t>14.11.2023</a:t>
+              <a:t>10.12.2023</a:t>
             </a:fld>
             <a:endParaRPr lang="cs-CZ"/>
           </a:p>
@@ -862,7 +868,7 @@
           <a:p>
             <a:fld id="{0665521D-4E4E-409C-A4D9-9D6D8E23D14B}" type="datetimeFigureOut">
               <a:rPr lang="cs-CZ" smtClean="0"/>
-              <a:t>14.11.2023</a:t>
+              <a:t>10.12.2023</a:t>
             </a:fld>
             <a:endParaRPr lang="cs-CZ"/>
           </a:p>
@@ -1137,7 +1143,7 @@
           <a:p>
             <a:fld id="{0665521D-4E4E-409C-A4D9-9D6D8E23D14B}" type="datetimeFigureOut">
               <a:rPr lang="cs-CZ" smtClean="0"/>
-              <a:t>14.11.2023</a:t>
+              <a:t>10.12.2023</a:t>
             </a:fld>
             <a:endParaRPr lang="cs-CZ"/>
           </a:p>
@@ -1402,7 +1408,7 @@
           <a:p>
             <a:fld id="{0665521D-4E4E-409C-A4D9-9D6D8E23D14B}" type="datetimeFigureOut">
               <a:rPr lang="cs-CZ" smtClean="0"/>
-              <a:t>14.11.2023</a:t>
+              <a:t>10.12.2023</a:t>
             </a:fld>
             <a:endParaRPr lang="cs-CZ"/>
           </a:p>
@@ -1814,7 +1820,7 @@
           <a:p>
             <a:fld id="{0665521D-4E4E-409C-A4D9-9D6D8E23D14B}" type="datetimeFigureOut">
               <a:rPr lang="cs-CZ" smtClean="0"/>
-              <a:t>14.11.2023</a:t>
+              <a:t>10.12.2023</a:t>
             </a:fld>
             <a:endParaRPr lang="cs-CZ"/>
           </a:p>
@@ -1955,7 +1961,7 @@
           <a:p>
             <a:fld id="{0665521D-4E4E-409C-A4D9-9D6D8E23D14B}" type="datetimeFigureOut">
               <a:rPr lang="cs-CZ" smtClean="0"/>
-              <a:t>14.11.2023</a:t>
+              <a:t>10.12.2023</a:t>
             </a:fld>
             <a:endParaRPr lang="cs-CZ"/>
           </a:p>
@@ -2068,7 +2074,7 @@
           <a:p>
             <a:fld id="{0665521D-4E4E-409C-A4D9-9D6D8E23D14B}" type="datetimeFigureOut">
               <a:rPr lang="cs-CZ" smtClean="0"/>
-              <a:t>14.11.2023</a:t>
+              <a:t>10.12.2023</a:t>
             </a:fld>
             <a:endParaRPr lang="cs-CZ"/>
           </a:p>
@@ -2379,7 +2385,7 @@
           <a:p>
             <a:fld id="{0665521D-4E4E-409C-A4D9-9D6D8E23D14B}" type="datetimeFigureOut">
               <a:rPr lang="cs-CZ" smtClean="0"/>
-              <a:t>14.11.2023</a:t>
+              <a:t>10.12.2023</a:t>
             </a:fld>
             <a:endParaRPr lang="cs-CZ"/>
           </a:p>
@@ -2667,7 +2673,7 @@
           <a:p>
             <a:fld id="{0665521D-4E4E-409C-A4D9-9D6D8E23D14B}" type="datetimeFigureOut">
               <a:rPr lang="cs-CZ" smtClean="0"/>
-              <a:t>14.11.2023</a:t>
+              <a:t>10.12.2023</a:t>
             </a:fld>
             <a:endParaRPr lang="cs-CZ"/>
           </a:p>
@@ -2908,7 +2914,7 @@
           <a:p>
             <a:fld id="{0665521D-4E4E-409C-A4D9-9D6D8E23D14B}" type="datetimeFigureOut">
               <a:rPr lang="cs-CZ" smtClean="0"/>
-              <a:t>14.11.2023</a:t>
+              <a:t>10.12.2023</a:t>
             </a:fld>
             <a:endParaRPr lang="cs-CZ"/>
           </a:p>
@@ -4521,7 +4527,7 @@
           <p:nvPr>
             <p:extLst>
               <p:ext uri="{D42A27DB-BD31-4B8C-83A1-F6EECF244321}">
-                <p14:modId xmlns:p14="http://schemas.microsoft.com/office/powerpoint/2010/main" val="2337806605"/>
+                <p14:modId xmlns:p14="http://schemas.microsoft.com/office/powerpoint/2010/main" val="1248304049"/>
               </p:ext>
             </p:extLst>
           </p:nvPr>
@@ -4626,7 +4632,7 @@
                     <a:p>
                       <a:r>
                         <a:rPr lang="cs-CZ" dirty="0"/>
-                        <a:t>Max. proud</a:t>
+                        <a:t>max. proud</a:t>
                       </a:r>
                     </a:p>
                   </a:txBody>
@@ -4692,7 +4698,7 @@
                     <a:p>
                       <a:r>
                         <a:rPr lang="cs-CZ" dirty="0"/>
-                        <a:t>Cena (GME.cz)</a:t>
+                        <a:t>cena (GME.cz)</a:t>
                       </a:r>
                     </a:p>
                   </a:txBody>
@@ -4735,6 +4741,449 @@
 </file>
 
 <file path=ppt/slides/slide5.xml><?xml version="1.0" encoding="utf-8"?>
+<p:sld xmlns:a="http://schemas.openxmlformats.org/drawingml/2006/main" xmlns:r="http://schemas.openxmlformats.org/officeDocument/2006/relationships" xmlns:p="http://schemas.openxmlformats.org/presentationml/2006/main">
+  <p:cSld>
+    <p:spTree>
+      <p:nvGrpSpPr>
+        <p:cNvPr id="1" name=""/>
+        <p:cNvGrpSpPr/>
+        <p:nvPr/>
+      </p:nvGrpSpPr>
+      <p:grpSpPr>
+        <a:xfrm>
+          <a:off x="0" y="0"/>
+          <a:ext cx="0" cy="0"/>
+          <a:chOff x="0" y="0"/>
+          <a:chExt cx="0" cy="0"/>
+        </a:xfrm>
+      </p:grpSpPr>
+      <p:sp>
+        <p:nvSpPr>
+          <p:cNvPr id="5" name="TextovéPole 4">
+            <a:extLst>
+              <a:ext uri="{FF2B5EF4-FFF2-40B4-BE49-F238E27FC236}">
+                <a16:creationId xmlns:a16="http://schemas.microsoft.com/office/drawing/2014/main" id="{6B834AA3-6803-23D7-4399-22BD693E90A4}"/>
+              </a:ext>
+            </a:extLst>
+          </p:cNvPr>
+          <p:cNvSpPr txBox="1"/>
+          <p:nvPr/>
+        </p:nvSpPr>
+        <p:spPr>
+          <a:xfrm>
+            <a:off x="4038599" y="247482"/>
+            <a:ext cx="7660709" cy="923330"/>
+          </a:xfrm>
+          <a:prstGeom prst="rect">
+            <a:avLst/>
+          </a:prstGeom>
+          <a:noFill/>
+        </p:spPr>
+        <p:txBody>
+          <a:bodyPr wrap="square">
+            <a:spAutoFit/>
+          </a:bodyPr>
+          <a:lstStyle/>
+          <a:p>
+            <a:pPr algn="l"/>
+            <a:r>
+              <a:rPr lang="cs-CZ" sz="5400" b="1" i="0" dirty="0">
+                <a:solidFill>
+                  <a:srgbClr val="00B0F0"/>
+                </a:solidFill>
+                <a:effectLst/>
+              </a:rPr>
+              <a:t>DC motor typ 130</a:t>
+            </a:r>
+          </a:p>
+        </p:txBody>
+      </p:sp>
+      <p:graphicFrame>
+        <p:nvGraphicFramePr>
+          <p:cNvPr id="11" name="Tabulka 10">
+            <a:extLst>
+              <a:ext uri="{FF2B5EF4-FFF2-40B4-BE49-F238E27FC236}">
+                <a16:creationId xmlns:a16="http://schemas.microsoft.com/office/drawing/2014/main" id="{9E3D061E-05CD-27D4-8632-FF4045E6E264}"/>
+              </a:ext>
+            </a:extLst>
+          </p:cNvPr>
+          <p:cNvGraphicFramePr>
+            <a:graphicFrameLocks noGrp="1"/>
+          </p:cNvGraphicFramePr>
+          <p:nvPr>
+            <p:extLst>
+              <p:ext uri="{D42A27DB-BD31-4B8C-83A1-F6EECF244321}">
+                <p14:modId xmlns:p14="http://schemas.microsoft.com/office/powerpoint/2010/main" val="3901942196"/>
+              </p:ext>
+            </p:extLst>
+          </p:nvPr>
+        </p:nvGraphicFramePr>
+        <p:xfrm>
+          <a:off x="4875409" y="2561388"/>
+          <a:ext cx="4368799" cy="1854200"/>
+        </p:xfrm>
+        <a:graphic>
+          <a:graphicData uri="http://schemas.openxmlformats.org/drawingml/2006/table">
+            <a:tbl>
+              <a:tblPr firstRow="1" bandRow="1">
+                <a:tableStyleId>{5940675A-B579-460E-94D1-54222C63F5DA}</a:tableStyleId>
+              </a:tblPr>
+              <a:tblGrid>
+                <a:gridCol w="2164218">
+                  <a:extLst>
+                    <a:ext uri="{9D8B030D-6E8A-4147-A177-3AD203B41FA5}">
+                      <a16:colId xmlns:a16="http://schemas.microsoft.com/office/drawing/2014/main" val="3668697880"/>
+                    </a:ext>
+                  </a:extLst>
+                </a:gridCol>
+                <a:gridCol w="2204581">
+                  <a:extLst>
+                    <a:ext uri="{9D8B030D-6E8A-4147-A177-3AD203B41FA5}">
+                      <a16:colId xmlns:a16="http://schemas.microsoft.com/office/drawing/2014/main" val="2743301045"/>
+                    </a:ext>
+                  </a:extLst>
+                </a:gridCol>
+              </a:tblGrid>
+              <a:tr h="370840">
+                <a:tc>
+                  <a:txBody>
+                    <a:bodyPr/>
+                    <a:lstStyle/>
+                    <a:p>
+                      <a:r>
+                        <a:rPr lang="cs-CZ" dirty="0"/>
+                        <a:t>napětí</a:t>
+                      </a:r>
+                    </a:p>
+                  </a:txBody>
+                  <a:tcPr/>
+                </a:tc>
+                <a:tc>
+                  <a:txBody>
+                    <a:bodyPr/>
+                    <a:lstStyle/>
+                    <a:p>
+                      <a:r>
+                        <a:rPr lang="cs-CZ" dirty="0"/>
+                        <a:t>6 V</a:t>
+                      </a:r>
+                    </a:p>
+                  </a:txBody>
+                  <a:tcPr/>
+                </a:tc>
+                <a:extLst>
+                  <a:ext uri="{0D108BD9-81ED-4DB2-BD59-A6C34878D82A}">
+                    <a16:rowId xmlns:a16="http://schemas.microsoft.com/office/drawing/2014/main" val="2763379569"/>
+                  </a:ext>
+                </a:extLst>
+              </a:tr>
+              <a:tr h="370840">
+                <a:tc>
+                  <a:txBody>
+                    <a:bodyPr/>
+                    <a:lstStyle/>
+                    <a:p>
+                      <a:r>
+                        <a:rPr lang="cs-CZ" dirty="0"/>
+                        <a:t>proud při zatížení</a:t>
+                      </a:r>
+                    </a:p>
+                  </a:txBody>
+                  <a:tcPr/>
+                </a:tc>
+                <a:tc>
+                  <a:txBody>
+                    <a:bodyPr/>
+                    <a:lstStyle/>
+                    <a:p>
+                      <a:r>
+                        <a:rPr lang="cs-CZ" dirty="0"/>
+                        <a:t>250 mA</a:t>
+                      </a:r>
+                    </a:p>
+                  </a:txBody>
+                  <a:tcPr/>
+                </a:tc>
+                <a:extLst>
+                  <a:ext uri="{0D108BD9-81ED-4DB2-BD59-A6C34878D82A}">
+                    <a16:rowId xmlns:a16="http://schemas.microsoft.com/office/drawing/2014/main" val="3173064803"/>
+                  </a:ext>
+                </a:extLst>
+              </a:tr>
+              <a:tr h="370840">
+                <a:tc>
+                  <a:txBody>
+                    <a:bodyPr/>
+                    <a:lstStyle/>
+                    <a:p>
+                      <a:r>
+                        <a:rPr lang="cs-CZ" dirty="0"/>
+                        <a:t>otáčky bez zátěže</a:t>
+                      </a:r>
+                    </a:p>
+                  </a:txBody>
+                  <a:tcPr/>
+                </a:tc>
+                <a:tc>
+                  <a:txBody>
+                    <a:bodyPr/>
+                    <a:lstStyle/>
+                    <a:p>
+                      <a:r>
+                        <a:rPr lang="cs-CZ" sz="1800" b="0" i="0" kern="1200" dirty="0">
+                          <a:solidFill>
+                            <a:schemeClr val="tx1"/>
+                          </a:solidFill>
+                          <a:effectLst/>
+                          <a:latin typeface="+mn-lt"/>
+                          <a:ea typeface="+mn-ea"/>
+                          <a:cs typeface="+mn-cs"/>
+                        </a:rPr>
+                        <a:t>9100 ±1800 RPM</a:t>
+                      </a:r>
+                      <a:endParaRPr lang="cs-CZ" dirty="0"/>
+                    </a:p>
+                  </a:txBody>
+                  <a:tcPr/>
+                </a:tc>
+                <a:extLst>
+                  <a:ext uri="{0D108BD9-81ED-4DB2-BD59-A6C34878D82A}">
+                    <a16:rowId xmlns:a16="http://schemas.microsoft.com/office/drawing/2014/main" val="759284713"/>
+                  </a:ext>
+                </a:extLst>
+              </a:tr>
+              <a:tr h="370840">
+                <a:tc>
+                  <a:txBody>
+                    <a:bodyPr/>
+                    <a:lstStyle/>
+                    <a:p>
+                      <a:r>
+                        <a:rPr lang="cs-CZ" dirty="0"/>
+                        <a:t>otáčky se zátěží</a:t>
+                      </a:r>
+                    </a:p>
+                  </a:txBody>
+                  <a:tcPr/>
+                </a:tc>
+                <a:tc>
+                  <a:txBody>
+                    <a:bodyPr/>
+                    <a:lstStyle/>
+                    <a:p>
+                      <a:r>
+                        <a:rPr lang="cs-CZ" sz="1800" b="0" i="0" kern="1200" dirty="0">
+                          <a:solidFill>
+                            <a:schemeClr val="tx1"/>
+                          </a:solidFill>
+                          <a:effectLst/>
+                          <a:latin typeface="+mn-lt"/>
+                          <a:ea typeface="+mn-ea"/>
+                          <a:cs typeface="+mn-cs"/>
+                        </a:rPr>
+                        <a:t>4500 ±1500 RPM</a:t>
+                      </a:r>
+                      <a:endParaRPr lang="cs-CZ" dirty="0"/>
+                    </a:p>
+                  </a:txBody>
+                  <a:tcPr/>
+                </a:tc>
+                <a:extLst>
+                  <a:ext uri="{0D108BD9-81ED-4DB2-BD59-A6C34878D82A}">
+                    <a16:rowId xmlns:a16="http://schemas.microsoft.com/office/drawing/2014/main" val="2542690375"/>
+                  </a:ext>
+                </a:extLst>
+              </a:tr>
+              <a:tr h="370840">
+                <a:tc>
+                  <a:txBody>
+                    <a:bodyPr/>
+                    <a:lstStyle/>
+                    <a:p>
+                      <a:r>
+                        <a:rPr lang="cs-CZ" dirty="0"/>
+                        <a:t>cena (GME.cz)</a:t>
+                      </a:r>
+                    </a:p>
+                  </a:txBody>
+                  <a:tcPr/>
+                </a:tc>
+                <a:tc>
+                  <a:txBody>
+                    <a:bodyPr/>
+                    <a:lstStyle/>
+                    <a:p>
+                      <a:r>
+                        <a:rPr lang="cs-CZ"/>
+                        <a:t>39 </a:t>
+                      </a:r>
+                      <a:r>
+                        <a:rPr lang="cs-CZ" dirty="0"/>
+                        <a:t>Kč</a:t>
+                      </a:r>
+                    </a:p>
+                  </a:txBody>
+                  <a:tcPr/>
+                </a:tc>
+                <a:extLst>
+                  <a:ext uri="{0D108BD9-81ED-4DB2-BD59-A6C34878D82A}">
+                    <a16:rowId xmlns:a16="http://schemas.microsoft.com/office/drawing/2014/main" val="4095675759"/>
+                  </a:ext>
+                </a:extLst>
+              </a:tr>
+            </a:tbl>
+          </a:graphicData>
+        </a:graphic>
+      </p:graphicFrame>
+      <p:pic>
+        <p:nvPicPr>
+          <p:cNvPr id="2" name="Picture 2" descr="DC motor typ 130 3-6V ">
+            <a:extLst>
+              <a:ext uri="{FF2B5EF4-FFF2-40B4-BE49-F238E27FC236}">
+                <a16:creationId xmlns:a16="http://schemas.microsoft.com/office/drawing/2014/main" id="{73A91523-2C86-F83D-EB12-DC10033A6E0B}"/>
+              </a:ext>
+            </a:extLst>
+          </p:cNvPr>
+          <p:cNvPicPr>
+            <a:picLocks noChangeAspect="1" noChangeArrowheads="1"/>
+          </p:cNvPicPr>
+          <p:nvPr/>
+        </p:nvPicPr>
+        <p:blipFill>
+          <a:blip r:embed="rId2">
+            <a:extLst>
+              <a:ext uri="{28A0092B-C50C-407E-A947-70E740481C1C}">
+                <a14:useLocalDpi xmlns:a14="http://schemas.microsoft.com/office/drawing/2010/main" val="0"/>
+              </a:ext>
+            </a:extLst>
+          </a:blip>
+          <a:srcRect/>
+          <a:stretch>
+            <a:fillRect/>
+          </a:stretch>
+        </p:blipFill>
+        <p:spPr bwMode="auto">
+          <a:xfrm>
+            <a:off x="228599" y="360218"/>
+            <a:ext cx="3810000" cy="3810000"/>
+          </a:xfrm>
+          <a:prstGeom prst="rect">
+            <a:avLst/>
+          </a:prstGeom>
+          <a:noFill/>
+          <a:extLst>
+            <a:ext uri="{909E8E84-426E-40DD-AFC4-6F175D3DCCD1}">
+              <a14:hiddenFill xmlns:a14="http://schemas.microsoft.com/office/drawing/2010/main">
+                <a:solidFill>
+                  <a:srgbClr val="FFFFFF"/>
+                </a:solidFill>
+              </a14:hiddenFill>
+            </a:ext>
+          </a:extLst>
+        </p:spPr>
+      </p:pic>
+      <p:sp>
+        <p:nvSpPr>
+          <p:cNvPr id="6" name="TextovéPole 5">
+            <a:extLst>
+              <a:ext uri="{FF2B5EF4-FFF2-40B4-BE49-F238E27FC236}">
+                <a16:creationId xmlns:a16="http://schemas.microsoft.com/office/drawing/2014/main" id="{87D89517-D0DC-9866-1A44-6F159D3718DD}"/>
+              </a:ext>
+            </a:extLst>
+          </p:cNvPr>
+          <p:cNvSpPr txBox="1"/>
+          <p:nvPr/>
+        </p:nvSpPr>
+        <p:spPr>
+          <a:xfrm>
+            <a:off x="471055" y="6128450"/>
+            <a:ext cx="8478982" cy="369332"/>
+          </a:xfrm>
+          <a:prstGeom prst="rect">
+            <a:avLst/>
+          </a:prstGeom>
+          <a:noFill/>
+        </p:spPr>
+        <p:txBody>
+          <a:bodyPr wrap="square">
+            <a:spAutoFit/>
+          </a:bodyPr>
+          <a:lstStyle/>
+          <a:p>
+            <a:r>
+              <a:rPr lang="cs-CZ" dirty="0">
+                <a:hlinkClick r:id="rId3"/>
+              </a:rPr>
+              <a:t>GM </a:t>
+            </a:r>
+            <a:r>
+              <a:rPr lang="cs-CZ" dirty="0" err="1">
+                <a:hlinkClick r:id="rId3"/>
+              </a:rPr>
+              <a:t>electronic</a:t>
+            </a:r>
+            <a:r>
+              <a:rPr lang="cs-CZ" dirty="0">
+                <a:hlinkClick r:id="rId3"/>
+              </a:rPr>
+              <a:t> | elektronické součástky, komponenty - DC motor typ 130 3-6V</a:t>
+            </a:r>
+            <a:endParaRPr lang="cs-CZ" dirty="0"/>
+          </a:p>
+        </p:txBody>
+      </p:sp>
+      <p:sp>
+        <p:nvSpPr>
+          <p:cNvPr id="8" name="TextovéPole 7">
+            <a:extLst>
+              <a:ext uri="{FF2B5EF4-FFF2-40B4-BE49-F238E27FC236}">
+                <a16:creationId xmlns:a16="http://schemas.microsoft.com/office/drawing/2014/main" id="{9EB207A3-966A-B6F1-7A61-8C20CA7FF8AD}"/>
+              </a:ext>
+            </a:extLst>
+          </p:cNvPr>
+          <p:cNvSpPr txBox="1"/>
+          <p:nvPr/>
+        </p:nvSpPr>
+        <p:spPr>
+          <a:xfrm>
+            <a:off x="471055" y="6488668"/>
+            <a:ext cx="10701770" cy="369332"/>
+          </a:xfrm>
+          <a:prstGeom prst="rect">
+            <a:avLst/>
+          </a:prstGeom>
+          <a:noFill/>
+        </p:spPr>
+        <p:txBody>
+          <a:bodyPr wrap="square">
+            <a:spAutoFit/>
+          </a:bodyPr>
+          <a:lstStyle/>
+          <a:p>
+            <a:r>
+              <a:rPr lang="en-US" dirty="0">
+                <a:hlinkClick r:id="rId4"/>
+              </a:rPr>
+              <a:t>DC Toy / Hobby Motor - 130 Size : ID 711 : $1.95 : Adafruit Industries, Unique &amp; fun DIY electronics and kits</a:t>
+            </a:r>
+            <a:endParaRPr lang="cs-CZ" dirty="0"/>
+          </a:p>
+        </p:txBody>
+      </p:sp>
+    </p:spTree>
+    <p:extLst>
+      <p:ext uri="{BB962C8B-B14F-4D97-AF65-F5344CB8AC3E}">
+        <p14:creationId xmlns:p14="http://schemas.microsoft.com/office/powerpoint/2010/main" val="415986900"/>
+      </p:ext>
+    </p:extLst>
+  </p:cSld>
+  <p:clrMapOvr>
+    <a:masterClrMapping/>
+  </p:clrMapOvr>
+</p:sld>
+</file>
+
+<file path=ppt/slides/slide6.xml><?xml version="1.0" encoding="utf-8"?>
 <p:sld xmlns:a="http://schemas.openxmlformats.org/drawingml/2006/main" xmlns:r="http://schemas.openxmlformats.org/officeDocument/2006/relationships" xmlns:p="http://schemas.openxmlformats.org/presentationml/2006/main">
   <p:cSld>
     <p:spTree>

--- a/Prezentace.pptx
+++ b/Prezentace.pptx
@@ -11,6 +11,10 @@
     <p:sldId id="264" r:id="rId5"/>
     <p:sldId id="265" r:id="rId6"/>
     <p:sldId id="263" r:id="rId7"/>
+    <p:sldId id="267" r:id="rId8"/>
+    <p:sldId id="266" r:id="rId9"/>
+    <p:sldId id="268" r:id="rId10"/>
+    <p:sldId id="269" r:id="rId11"/>
   </p:sldIdLst>
   <p:sldSz cx="12192000" cy="6858000"/>
   <p:notesSz cx="6858000" cy="9144000"/>
@@ -3501,6 +3505,93 @@
     <p:extLst>
       <p:ext uri="{BB962C8B-B14F-4D97-AF65-F5344CB8AC3E}">
         <p14:creationId xmlns:p14="http://schemas.microsoft.com/office/powerpoint/2010/main" val="3192058891"/>
+      </p:ext>
+    </p:extLst>
+  </p:cSld>
+  <p:clrMapOvr>
+    <a:masterClrMapping/>
+  </p:clrMapOvr>
+</p:sld>
+</file>
+
+<file path=ppt/slides/slide10.xml><?xml version="1.0" encoding="utf-8"?>
+<p:sld xmlns:a="http://schemas.openxmlformats.org/drawingml/2006/main" xmlns:r="http://schemas.openxmlformats.org/officeDocument/2006/relationships" xmlns:p="http://schemas.openxmlformats.org/presentationml/2006/main">
+  <p:cSld>
+    <p:spTree>
+      <p:nvGrpSpPr>
+        <p:cNvPr id="1" name=""/>
+        <p:cNvGrpSpPr/>
+        <p:nvPr/>
+      </p:nvGrpSpPr>
+      <p:grpSpPr>
+        <a:xfrm>
+          <a:off x="0" y="0"/>
+          <a:ext cx="0" cy="0"/>
+          <a:chOff x="0" y="0"/>
+          <a:chExt cx="0" cy="0"/>
+        </a:xfrm>
+      </p:grpSpPr>
+      <p:sp>
+        <p:nvSpPr>
+          <p:cNvPr id="2" name="Obdélník 1">
+            <a:extLst>
+              <a:ext uri="{FF2B5EF4-FFF2-40B4-BE49-F238E27FC236}">
+                <a16:creationId xmlns:a16="http://schemas.microsoft.com/office/drawing/2014/main" id="{85729C03-EC6F-4C4D-94CA-25A0D5634029}"/>
+              </a:ext>
+            </a:extLst>
+          </p:cNvPr>
+          <p:cNvSpPr/>
+          <p:nvPr/>
+        </p:nvSpPr>
+        <p:spPr>
+          <a:xfrm>
+            <a:off x="5064121" y="2644170"/>
+            <a:ext cx="2063771" cy="1569660"/>
+          </a:xfrm>
+          <a:prstGeom prst="rect">
+            <a:avLst/>
+          </a:prstGeom>
+          <a:noFill/>
+        </p:spPr>
+        <p:txBody>
+          <a:bodyPr wrap="none" lIns="91440" tIns="45720" rIns="91440" bIns="45720">
+            <a:spAutoFit/>
+            <a:scene3d>
+              <a:camera prst="orthographicFront"/>
+              <a:lightRig rig="soft" dir="t">
+                <a:rot lat="0" lon="0" rev="15600000"/>
+              </a:lightRig>
+            </a:scene3d>
+            <a:sp3d extrusionH="57150" prstMaterial="softEdge">
+              <a:bevelT w="25400" h="38100"/>
+            </a:sp3d>
+          </a:bodyPr>
+          <a:lstStyle/>
+          <a:p>
+            <a:pPr algn="ctr"/>
+            <a:r>
+              <a:rPr lang="cs-CZ" sz="9600" b="1" dirty="0">
+                <a:ln w="0"/>
+                <a:solidFill>
+                  <a:srgbClr val="92D050"/>
+                </a:solidFill>
+                <a:effectLst>
+                  <a:outerShdw blurRad="38100" dist="19050" dir="2700000" algn="tl" rotWithShape="0">
+                    <a:schemeClr val="dk1">
+                      <a:alpha val="40000"/>
+                    </a:schemeClr>
+                  </a:outerShdw>
+                </a:effectLst>
+              </a:rPr>
+              <a:t>kód</a:t>
+            </a:r>
+          </a:p>
+        </p:txBody>
+      </p:sp>
+    </p:spTree>
+    <p:extLst>
+      <p:ext uri="{BB962C8B-B14F-4D97-AF65-F5344CB8AC3E}">
+        <p14:creationId xmlns:p14="http://schemas.microsoft.com/office/powerpoint/2010/main" val="2376423995"/>
       </p:ext>
     </p:extLst>
   </p:cSld>
@@ -5270,6 +5361,166 @@
 </p:sld>
 </file>
 
+<file path=ppt/slides/slide7.xml><?xml version="1.0" encoding="utf-8"?>
+<p:sld xmlns:a="http://schemas.openxmlformats.org/drawingml/2006/main" xmlns:r="http://schemas.openxmlformats.org/officeDocument/2006/relationships" xmlns:p="http://schemas.openxmlformats.org/presentationml/2006/main">
+  <p:cSld>
+    <p:spTree>
+      <p:nvGrpSpPr>
+        <p:cNvPr id="1" name=""/>
+        <p:cNvGrpSpPr/>
+        <p:nvPr/>
+      </p:nvGrpSpPr>
+      <p:grpSpPr>
+        <a:xfrm>
+          <a:off x="0" y="0"/>
+          <a:ext cx="0" cy="0"/>
+          <a:chOff x="0" y="0"/>
+          <a:chExt cx="0" cy="0"/>
+        </a:xfrm>
+      </p:grpSpPr>
+    </p:spTree>
+    <p:extLst>
+      <p:ext uri="{BB962C8B-B14F-4D97-AF65-F5344CB8AC3E}">
+        <p14:creationId xmlns:p14="http://schemas.microsoft.com/office/powerpoint/2010/main" val="2596901404"/>
+      </p:ext>
+    </p:extLst>
+  </p:cSld>
+  <p:clrMapOvr>
+    <a:masterClrMapping/>
+  </p:clrMapOvr>
+</p:sld>
+</file>
+
+<file path=ppt/slides/slide8.xml><?xml version="1.0" encoding="utf-8"?>
+<p:sld xmlns:a="http://schemas.openxmlformats.org/drawingml/2006/main" xmlns:r="http://schemas.openxmlformats.org/officeDocument/2006/relationships" xmlns:p="http://schemas.openxmlformats.org/presentationml/2006/main">
+  <p:cSld>
+    <p:spTree>
+      <p:nvGrpSpPr>
+        <p:cNvPr id="1" name=""/>
+        <p:cNvGrpSpPr/>
+        <p:nvPr/>
+      </p:nvGrpSpPr>
+      <p:grpSpPr>
+        <a:xfrm>
+          <a:off x="0" y="0"/>
+          <a:ext cx="0" cy="0"/>
+          <a:chOff x="0" y="0"/>
+          <a:chExt cx="0" cy="0"/>
+        </a:xfrm>
+      </p:grpSpPr>
+      <p:sp>
+        <p:nvSpPr>
+          <p:cNvPr id="2" name="Obdélník 1">
+            <a:extLst>
+              <a:ext uri="{FF2B5EF4-FFF2-40B4-BE49-F238E27FC236}">
+                <a16:creationId xmlns:a16="http://schemas.microsoft.com/office/drawing/2014/main" id="{85729C03-EC6F-4C4D-94CA-25A0D5634029}"/>
+              </a:ext>
+            </a:extLst>
+          </p:cNvPr>
+          <p:cNvSpPr/>
+          <p:nvPr/>
+        </p:nvSpPr>
+        <p:spPr>
+          <a:xfrm>
+            <a:off x="3830001" y="2644170"/>
+            <a:ext cx="4532010" cy="1569660"/>
+          </a:xfrm>
+          <a:prstGeom prst="rect">
+            <a:avLst/>
+          </a:prstGeom>
+          <a:noFill/>
+        </p:spPr>
+        <p:txBody>
+          <a:bodyPr wrap="none" lIns="91440" tIns="45720" rIns="91440" bIns="45720">
+            <a:spAutoFit/>
+            <a:scene3d>
+              <a:camera prst="orthographicFront"/>
+              <a:lightRig rig="soft" dir="t">
+                <a:rot lat="0" lon="0" rev="15600000"/>
+              </a:lightRig>
+            </a:scene3d>
+            <a:sp3d extrusionH="57150" prstMaterial="softEdge">
+              <a:bevelT w="25400" h="38100"/>
+            </a:sp3d>
+          </a:bodyPr>
+          <a:lstStyle/>
+          <a:p>
+            <a:pPr algn="ctr"/>
+            <a:r>
+              <a:rPr lang="cs-CZ" sz="9600" b="1" dirty="0" err="1">
+                <a:ln w="0"/>
+                <a:solidFill>
+                  <a:srgbClr val="92D050"/>
+                </a:solidFill>
+                <a:effectLst>
+                  <a:outerShdw blurRad="38100" dist="19050" dir="2700000" algn="tl" rotWithShape="0">
+                    <a:schemeClr val="dk1">
+                      <a:alpha val="40000"/>
+                    </a:schemeClr>
+                  </a:outerShdw>
+                </a:effectLst>
+              </a:rPr>
+              <a:t>CubeMX</a:t>
+            </a:r>
+            <a:endParaRPr lang="cs-CZ" sz="9600" b="1" dirty="0">
+              <a:ln w="0"/>
+              <a:solidFill>
+                <a:srgbClr val="92D050"/>
+              </a:solidFill>
+              <a:effectLst>
+                <a:outerShdw blurRad="38100" dist="19050" dir="2700000" algn="tl" rotWithShape="0">
+                  <a:schemeClr val="dk1">
+                    <a:alpha val="40000"/>
+                  </a:schemeClr>
+                </a:outerShdw>
+              </a:effectLst>
+            </a:endParaRPr>
+          </a:p>
+        </p:txBody>
+      </p:sp>
+    </p:spTree>
+    <p:extLst>
+      <p:ext uri="{BB962C8B-B14F-4D97-AF65-F5344CB8AC3E}">
+        <p14:creationId xmlns:p14="http://schemas.microsoft.com/office/powerpoint/2010/main" val="1060748795"/>
+      </p:ext>
+    </p:extLst>
+  </p:cSld>
+  <p:clrMapOvr>
+    <a:masterClrMapping/>
+  </p:clrMapOvr>
+</p:sld>
+</file>
+
+<file path=ppt/slides/slide9.xml><?xml version="1.0" encoding="utf-8"?>
+<p:sld xmlns:a="http://schemas.openxmlformats.org/drawingml/2006/main" xmlns:r="http://schemas.openxmlformats.org/officeDocument/2006/relationships" xmlns:p="http://schemas.openxmlformats.org/presentationml/2006/main">
+  <p:cSld>
+    <p:spTree>
+      <p:nvGrpSpPr>
+        <p:cNvPr id="1" name=""/>
+        <p:cNvGrpSpPr/>
+        <p:nvPr/>
+      </p:nvGrpSpPr>
+      <p:grpSpPr>
+        <a:xfrm>
+          <a:off x="0" y="0"/>
+          <a:ext cx="0" cy="0"/>
+          <a:chOff x="0" y="0"/>
+          <a:chExt cx="0" cy="0"/>
+        </a:xfrm>
+      </p:grpSpPr>
+    </p:spTree>
+    <p:extLst>
+      <p:ext uri="{BB962C8B-B14F-4D97-AF65-F5344CB8AC3E}">
+        <p14:creationId xmlns:p14="http://schemas.microsoft.com/office/powerpoint/2010/main" val="1989555302"/>
+      </p:ext>
+    </p:extLst>
+  </p:cSld>
+  <p:clrMapOvr>
+    <a:masterClrMapping/>
+  </p:clrMapOvr>
+</p:sld>
+</file>
+
 <file path=ppt/theme/theme1.xml><?xml version="1.0" encoding="utf-8"?>
 <a:theme xmlns:a="http://schemas.openxmlformats.org/drawingml/2006/main" name="Motiv Office">
   <a:themeElements>

--- a/Prezentace.pptx
+++ b/Prezentace.pptx
@@ -14,7 +14,8 @@
     <p:sldId id="267" r:id="rId8"/>
     <p:sldId id="266" r:id="rId9"/>
     <p:sldId id="268" r:id="rId10"/>
-    <p:sldId id="269" r:id="rId11"/>
+    <p:sldId id="270" r:id="rId11"/>
+    <p:sldId id="269" r:id="rId12"/>
   </p:sldIdLst>
   <p:sldSz cx="12192000" cy="6858000"/>
   <p:notesSz cx="6858000" cy="9144000"/>
@@ -3515,6 +3516,232 @@
 </file>
 
 <file path=ppt/slides/slide10.xml><?xml version="1.0" encoding="utf-8"?>
+<p:sld xmlns:a="http://schemas.openxmlformats.org/drawingml/2006/main" xmlns:r="http://schemas.openxmlformats.org/officeDocument/2006/relationships" xmlns:p="http://schemas.openxmlformats.org/presentationml/2006/main">
+  <p:cSld>
+    <p:spTree>
+      <p:nvGrpSpPr>
+        <p:cNvPr id="1" name=""/>
+        <p:cNvGrpSpPr/>
+        <p:nvPr/>
+      </p:nvGrpSpPr>
+      <p:grpSpPr>
+        <a:xfrm>
+          <a:off x="0" y="0"/>
+          <a:ext cx="0" cy="0"/>
+          <a:chOff x="0" y="0"/>
+          <a:chExt cx="0" cy="0"/>
+        </a:xfrm>
+      </p:grpSpPr>
+      <p:pic>
+        <p:nvPicPr>
+          <p:cNvPr id="3" name="Obrázek 2">
+            <a:extLst>
+              <a:ext uri="{FF2B5EF4-FFF2-40B4-BE49-F238E27FC236}">
+                <a16:creationId xmlns:a16="http://schemas.microsoft.com/office/drawing/2014/main" id="{A24D40CE-D64D-915F-28B9-A0ACB4E10C1D}"/>
+              </a:ext>
+            </a:extLst>
+          </p:cNvPr>
+          <p:cNvPicPr>
+            <a:picLocks noChangeAspect="1"/>
+          </p:cNvPicPr>
+          <p:nvPr/>
+        </p:nvPicPr>
+        <p:blipFill>
+          <a:blip r:embed="rId2"/>
+          <a:stretch>
+            <a:fillRect/>
+          </a:stretch>
+        </p:blipFill>
+        <p:spPr>
+          <a:xfrm>
+            <a:off x="3747760" y="39255"/>
+            <a:ext cx="4696480" cy="857370"/>
+          </a:xfrm>
+          <a:prstGeom prst="rect">
+            <a:avLst/>
+          </a:prstGeom>
+        </p:spPr>
+      </p:pic>
+      <p:pic>
+        <p:nvPicPr>
+          <p:cNvPr id="5" name="Obrázek 4">
+            <a:extLst>
+              <a:ext uri="{FF2B5EF4-FFF2-40B4-BE49-F238E27FC236}">
+                <a16:creationId xmlns:a16="http://schemas.microsoft.com/office/drawing/2014/main" id="{67523BE1-8881-D71D-6D0D-60E259F1E864}"/>
+              </a:ext>
+            </a:extLst>
+          </p:cNvPr>
+          <p:cNvPicPr>
+            <a:picLocks noChangeAspect="1"/>
+          </p:cNvPicPr>
+          <p:nvPr/>
+        </p:nvPicPr>
+        <p:blipFill>
+          <a:blip r:embed="rId3"/>
+          <a:stretch>
+            <a:fillRect/>
+          </a:stretch>
+        </p:blipFill>
+        <p:spPr>
+          <a:xfrm>
+            <a:off x="737367" y="1669613"/>
+            <a:ext cx="5563376" cy="2114845"/>
+          </a:xfrm>
+          <a:prstGeom prst="rect">
+            <a:avLst/>
+          </a:prstGeom>
+        </p:spPr>
+      </p:pic>
+      <p:sp>
+        <p:nvSpPr>
+          <p:cNvPr id="6" name="Obdélník 5">
+            <a:extLst>
+              <a:ext uri="{FF2B5EF4-FFF2-40B4-BE49-F238E27FC236}">
+                <a16:creationId xmlns:a16="http://schemas.microsoft.com/office/drawing/2014/main" id="{EFFCB680-36A8-EE16-0391-832DCB1ABFC7}"/>
+              </a:ext>
+            </a:extLst>
+          </p:cNvPr>
+          <p:cNvSpPr/>
+          <p:nvPr/>
+        </p:nvSpPr>
+        <p:spPr>
+          <a:xfrm>
+            <a:off x="737367" y="4377542"/>
+            <a:ext cx="4776949" cy="400110"/>
+          </a:xfrm>
+          <a:prstGeom prst="rect">
+            <a:avLst/>
+          </a:prstGeom>
+          <a:noFill/>
+        </p:spPr>
+        <p:txBody>
+          <a:bodyPr wrap="none" lIns="91440" tIns="45720" rIns="91440" bIns="45720">
+            <a:spAutoFit/>
+          </a:bodyPr>
+          <a:lstStyle/>
+          <a:p>
+            <a:pPr algn="ctr"/>
+            <a:r>
+              <a:rPr lang="cs-CZ" sz="2000" dirty="0" err="1">
+                <a:ln w="0"/>
+                <a:effectLst>
+                  <a:outerShdw blurRad="38100" dist="19050" dir="2700000" algn="tl" rotWithShape="0">
+                    <a:schemeClr val="dk1">
+                      <a:alpha val="40000"/>
+                    </a:schemeClr>
+                  </a:outerShdw>
+                </a:effectLst>
+              </a:rPr>
+              <a:t>Repetition</a:t>
+            </a:r>
+            <a:r>
+              <a:rPr lang="cs-CZ" sz="2000" dirty="0">
+                <a:ln w="0"/>
+                <a:effectLst>
+                  <a:outerShdw blurRad="38100" dist="19050" dir="2700000" algn="tl" rotWithShape="0">
+                    <a:schemeClr val="dk1">
+                      <a:alpha val="40000"/>
+                    </a:schemeClr>
+                  </a:outerShdw>
+                </a:effectLst>
+              </a:rPr>
+              <a:t> (RCR) = dělička výstupních pulsů</a:t>
+            </a:r>
+          </a:p>
+        </p:txBody>
+      </p:sp>
+      <p:sp>
+        <p:nvSpPr>
+          <p:cNvPr id="7" name="Obdélník 6">
+            <a:extLst>
+              <a:ext uri="{FF2B5EF4-FFF2-40B4-BE49-F238E27FC236}">
+                <a16:creationId xmlns:a16="http://schemas.microsoft.com/office/drawing/2014/main" id="{2BC352BE-EC6E-3E81-6C19-ADE96696B4D2}"/>
+              </a:ext>
+            </a:extLst>
+          </p:cNvPr>
+          <p:cNvSpPr/>
+          <p:nvPr/>
+        </p:nvSpPr>
+        <p:spPr>
+          <a:xfrm>
+            <a:off x="737367" y="5867543"/>
+            <a:ext cx="4650440" cy="400110"/>
+          </a:xfrm>
+          <a:prstGeom prst="rect">
+            <a:avLst/>
+          </a:prstGeom>
+          <a:noFill/>
+        </p:spPr>
+        <p:txBody>
+          <a:bodyPr wrap="none" lIns="91440" tIns="45720" rIns="91440" bIns="45720">
+            <a:spAutoFit/>
+          </a:bodyPr>
+          <a:lstStyle/>
+          <a:p>
+            <a:pPr algn="ctr"/>
+            <a:r>
+              <a:rPr lang="cs-CZ" sz="2000" dirty="0">
+                <a:ln w="0"/>
+                <a:solidFill>
+                  <a:srgbClr val="FF0000"/>
+                </a:solidFill>
+                <a:effectLst>
+                  <a:outerShdw blurRad="38100" dist="19050" dir="2700000" algn="tl" rotWithShape="0">
+                    <a:schemeClr val="dk1">
+                      <a:alpha val="40000"/>
+                    </a:schemeClr>
+                  </a:outerShdw>
+                </a:effectLst>
+              </a:rPr>
+              <a:t>TIM17 period (ARR) updatována v průběhu</a:t>
+            </a:r>
+          </a:p>
+        </p:txBody>
+      </p:sp>
+      <p:pic>
+        <p:nvPicPr>
+          <p:cNvPr id="9" name="Obrázek 8">
+            <a:extLst>
+              <a:ext uri="{FF2B5EF4-FFF2-40B4-BE49-F238E27FC236}">
+                <a16:creationId xmlns:a16="http://schemas.microsoft.com/office/drawing/2014/main" id="{D7991DBD-FB22-2E62-F846-AA8BE5047A5C}"/>
+              </a:ext>
+            </a:extLst>
+          </p:cNvPr>
+          <p:cNvPicPr>
+            <a:picLocks noChangeAspect="1"/>
+          </p:cNvPicPr>
+          <p:nvPr/>
+        </p:nvPicPr>
+        <p:blipFill>
+          <a:blip r:embed="rId4"/>
+          <a:stretch>
+            <a:fillRect/>
+          </a:stretch>
+        </p:blipFill>
+        <p:spPr>
+          <a:xfrm>
+            <a:off x="6413836" y="1738738"/>
+            <a:ext cx="5515745" cy="2124371"/>
+          </a:xfrm>
+          <a:prstGeom prst="rect">
+            <a:avLst/>
+          </a:prstGeom>
+        </p:spPr>
+      </p:pic>
+    </p:spTree>
+    <p:extLst>
+      <p:ext uri="{BB962C8B-B14F-4D97-AF65-F5344CB8AC3E}">
+        <p14:creationId xmlns:p14="http://schemas.microsoft.com/office/powerpoint/2010/main" val="3505670363"/>
+      </p:ext>
+    </p:extLst>
+  </p:cSld>
+  <p:clrMapOvr>
+    <a:masterClrMapping/>
+  </p:clrMapOvr>
+</p:sld>
+</file>
+
+<file path=ppt/slides/slide11.xml><?xml version="1.0" encoding="utf-8"?>
 <p:sld xmlns:a="http://schemas.openxmlformats.org/drawingml/2006/main" xmlns:r="http://schemas.openxmlformats.org/officeDocument/2006/relationships" xmlns:p="http://schemas.openxmlformats.org/presentationml/2006/main">
   <p:cSld>
     <p:spTree>
@@ -5422,8 +5649,8 @@
         </p:nvSpPr>
         <p:spPr>
           <a:xfrm>
-            <a:off x="3830001" y="2644170"/>
-            <a:ext cx="4532010" cy="1569660"/>
+            <a:off x="3476670" y="2644170"/>
+            <a:ext cx="5238678" cy="1569660"/>
           </a:xfrm>
           <a:prstGeom prst="rect">
             <a:avLst/>
@@ -5447,7 +5674,7 @@
           <a:p>
             <a:pPr algn="ctr"/>
             <a:r>
-              <a:rPr lang="cs-CZ" sz="9600" b="1" dirty="0" err="1">
+              <a:rPr lang="cs-CZ" sz="9600" b="1" dirty="0">
                 <a:ln w="0"/>
                 <a:solidFill>
                   <a:srgbClr val="92D050"/>
@@ -5460,21 +5687,8 @@
                   </a:outerShdw>
                 </a:effectLst>
               </a:rPr>
-              <a:t>CubeMX</a:t>
-            </a:r>
-            <a:endParaRPr lang="cs-CZ" sz="9600" b="1" dirty="0">
-              <a:ln w="0"/>
-              <a:solidFill>
-                <a:srgbClr val="92D050"/>
-              </a:solidFill>
-              <a:effectLst>
-                <a:outerShdw blurRad="38100" dist="19050" dir="2700000" algn="tl" rotWithShape="0">
-                  <a:schemeClr val="dk1">
-                    <a:alpha val="40000"/>
-                  </a:schemeClr>
-                </a:outerShdw>
-              </a:effectLst>
-            </a:endParaRPr>
+              <a:t>Nastavení</a:t>
+            </a:r>
           </a:p>
         </p:txBody>
       </p:sp>
@@ -5508,6 +5722,36 @@
           <a:chExt cx="0" cy="0"/>
         </a:xfrm>
       </p:grpSpPr>
+      <p:pic>
+        <p:nvPicPr>
+          <p:cNvPr id="3" name="Obrázek 2">
+            <a:extLst>
+              <a:ext uri="{FF2B5EF4-FFF2-40B4-BE49-F238E27FC236}">
+                <a16:creationId xmlns:a16="http://schemas.microsoft.com/office/drawing/2014/main" id="{DB6A57E6-7E9A-28B0-FB55-F0A0056ECB82}"/>
+              </a:ext>
+            </a:extLst>
+          </p:cNvPr>
+          <p:cNvPicPr>
+            <a:picLocks noChangeAspect="1"/>
+          </p:cNvPicPr>
+          <p:nvPr/>
+        </p:nvPicPr>
+        <p:blipFill>
+          <a:blip r:embed="rId2"/>
+          <a:stretch>
+            <a:fillRect/>
+          </a:stretch>
+        </p:blipFill>
+        <p:spPr>
+          <a:xfrm>
+            <a:off x="727913" y="1118865"/>
+            <a:ext cx="10736173" cy="4620270"/>
+          </a:xfrm>
+          <a:prstGeom prst="rect">
+            <a:avLst/>
+          </a:prstGeom>
+        </p:spPr>
+      </p:pic>
     </p:spTree>
     <p:extLst>
       <p:ext uri="{BB962C8B-B14F-4D97-AF65-F5344CB8AC3E}">

--- a/Prezentace.pptx
+++ b/Prezentace.pptx
@@ -10,12 +10,15 @@
     <p:sldId id="259" r:id="rId4"/>
     <p:sldId id="264" r:id="rId5"/>
     <p:sldId id="265" r:id="rId6"/>
-    <p:sldId id="263" r:id="rId7"/>
-    <p:sldId id="267" r:id="rId8"/>
-    <p:sldId id="266" r:id="rId9"/>
-    <p:sldId id="268" r:id="rId10"/>
-    <p:sldId id="270" r:id="rId11"/>
-    <p:sldId id="269" r:id="rId12"/>
+    <p:sldId id="271" r:id="rId7"/>
+    <p:sldId id="263" r:id="rId8"/>
+    <p:sldId id="267" r:id="rId9"/>
+    <p:sldId id="272" r:id="rId10"/>
+    <p:sldId id="266" r:id="rId11"/>
+    <p:sldId id="268" r:id="rId12"/>
+    <p:sldId id="270" r:id="rId13"/>
+    <p:sldId id="269" r:id="rId14"/>
+    <p:sldId id="273" r:id="rId15"/>
   </p:sldIdLst>
   <p:sldSz cx="12192000" cy="6858000"/>
   <p:notesSz cx="6858000" cy="9144000"/>
@@ -3350,7 +3353,7 @@
         </p:nvSpPr>
         <p:spPr>
           <a:xfrm>
-            <a:off x="1589029" y="2078015"/>
+            <a:off x="1589029" y="1200560"/>
             <a:ext cx="9013942" cy="1446550"/>
           </a:xfrm>
           <a:prstGeom prst="rect">
@@ -3516,6 +3519,153 @@
 </file>
 
 <file path=ppt/slides/slide10.xml><?xml version="1.0" encoding="utf-8"?>
+<p:sld xmlns:a="http://schemas.openxmlformats.org/drawingml/2006/main" xmlns:r="http://schemas.openxmlformats.org/officeDocument/2006/relationships" xmlns:p="http://schemas.openxmlformats.org/presentationml/2006/main">
+  <p:cSld>
+    <p:spTree>
+      <p:nvGrpSpPr>
+        <p:cNvPr id="1" name=""/>
+        <p:cNvGrpSpPr/>
+        <p:nvPr/>
+      </p:nvGrpSpPr>
+      <p:grpSpPr>
+        <a:xfrm>
+          <a:off x="0" y="0"/>
+          <a:ext cx="0" cy="0"/>
+          <a:chOff x="0" y="0"/>
+          <a:chExt cx="0" cy="0"/>
+        </a:xfrm>
+      </p:grpSpPr>
+      <p:sp>
+        <p:nvSpPr>
+          <p:cNvPr id="2" name="Obdélník 1">
+            <a:extLst>
+              <a:ext uri="{FF2B5EF4-FFF2-40B4-BE49-F238E27FC236}">
+                <a16:creationId xmlns:a16="http://schemas.microsoft.com/office/drawing/2014/main" id="{85729C03-EC6F-4C4D-94CA-25A0D5634029}"/>
+              </a:ext>
+            </a:extLst>
+          </p:cNvPr>
+          <p:cNvSpPr/>
+          <p:nvPr/>
+        </p:nvSpPr>
+        <p:spPr>
+          <a:xfrm>
+            <a:off x="3476670" y="2644170"/>
+            <a:ext cx="5238678" cy="1569660"/>
+          </a:xfrm>
+          <a:prstGeom prst="rect">
+            <a:avLst/>
+          </a:prstGeom>
+          <a:noFill/>
+        </p:spPr>
+        <p:txBody>
+          <a:bodyPr wrap="none" lIns="91440" tIns="45720" rIns="91440" bIns="45720">
+            <a:spAutoFit/>
+            <a:scene3d>
+              <a:camera prst="orthographicFront"/>
+              <a:lightRig rig="soft" dir="t">
+                <a:rot lat="0" lon="0" rev="15600000"/>
+              </a:lightRig>
+            </a:scene3d>
+            <a:sp3d extrusionH="57150" prstMaterial="softEdge">
+              <a:bevelT w="25400" h="38100"/>
+            </a:sp3d>
+          </a:bodyPr>
+          <a:lstStyle/>
+          <a:p>
+            <a:pPr algn="ctr"/>
+            <a:r>
+              <a:rPr lang="cs-CZ" sz="9600" b="1" dirty="0">
+                <a:ln w="0"/>
+                <a:solidFill>
+                  <a:srgbClr val="92D050"/>
+                </a:solidFill>
+                <a:effectLst>
+                  <a:outerShdw blurRad="38100" dist="19050" dir="2700000" algn="tl" rotWithShape="0">
+                    <a:schemeClr val="dk1">
+                      <a:alpha val="40000"/>
+                    </a:schemeClr>
+                  </a:outerShdw>
+                </a:effectLst>
+              </a:rPr>
+              <a:t>Nastavení</a:t>
+            </a:r>
+          </a:p>
+        </p:txBody>
+      </p:sp>
+    </p:spTree>
+    <p:extLst>
+      <p:ext uri="{BB962C8B-B14F-4D97-AF65-F5344CB8AC3E}">
+        <p14:creationId xmlns:p14="http://schemas.microsoft.com/office/powerpoint/2010/main" val="1060748795"/>
+      </p:ext>
+    </p:extLst>
+  </p:cSld>
+  <p:clrMapOvr>
+    <a:masterClrMapping/>
+  </p:clrMapOvr>
+</p:sld>
+</file>
+
+<file path=ppt/slides/slide11.xml><?xml version="1.0" encoding="utf-8"?>
+<p:sld xmlns:a="http://schemas.openxmlformats.org/drawingml/2006/main" xmlns:r="http://schemas.openxmlformats.org/officeDocument/2006/relationships" xmlns:p="http://schemas.openxmlformats.org/presentationml/2006/main">
+  <p:cSld>
+    <p:spTree>
+      <p:nvGrpSpPr>
+        <p:cNvPr id="1" name=""/>
+        <p:cNvGrpSpPr/>
+        <p:nvPr/>
+      </p:nvGrpSpPr>
+      <p:grpSpPr>
+        <a:xfrm>
+          <a:off x="0" y="0"/>
+          <a:ext cx="0" cy="0"/>
+          <a:chOff x="0" y="0"/>
+          <a:chExt cx="0" cy="0"/>
+        </a:xfrm>
+      </p:grpSpPr>
+      <p:pic>
+        <p:nvPicPr>
+          <p:cNvPr id="3" name="Obrázek 2">
+            <a:extLst>
+              <a:ext uri="{FF2B5EF4-FFF2-40B4-BE49-F238E27FC236}">
+                <a16:creationId xmlns:a16="http://schemas.microsoft.com/office/drawing/2014/main" id="{DB6A57E6-7E9A-28B0-FB55-F0A0056ECB82}"/>
+              </a:ext>
+            </a:extLst>
+          </p:cNvPr>
+          <p:cNvPicPr>
+            <a:picLocks noChangeAspect="1"/>
+          </p:cNvPicPr>
+          <p:nvPr/>
+        </p:nvPicPr>
+        <p:blipFill>
+          <a:blip r:embed="rId2"/>
+          <a:stretch>
+            <a:fillRect/>
+          </a:stretch>
+        </p:blipFill>
+        <p:spPr>
+          <a:xfrm>
+            <a:off x="727913" y="1118865"/>
+            <a:ext cx="10736173" cy="4620270"/>
+          </a:xfrm>
+          <a:prstGeom prst="rect">
+            <a:avLst/>
+          </a:prstGeom>
+        </p:spPr>
+      </p:pic>
+    </p:spTree>
+    <p:extLst>
+      <p:ext uri="{BB962C8B-B14F-4D97-AF65-F5344CB8AC3E}">
+        <p14:creationId xmlns:p14="http://schemas.microsoft.com/office/powerpoint/2010/main" val="1989555302"/>
+      </p:ext>
+    </p:extLst>
+  </p:cSld>
+  <p:clrMapOvr>
+    <a:masterClrMapping/>
+  </p:clrMapOvr>
+</p:sld>
+</file>
+
+<file path=ppt/slides/slide12.xml><?xml version="1.0" encoding="utf-8"?>
 <p:sld xmlns:a="http://schemas.openxmlformats.org/drawingml/2006/main" xmlns:r="http://schemas.openxmlformats.org/officeDocument/2006/relationships" xmlns:p="http://schemas.openxmlformats.org/presentationml/2006/main">
   <p:cSld>
     <p:spTree>
@@ -3741,7 +3891,7 @@
 </p:sld>
 </file>
 
-<file path=ppt/slides/slide11.xml><?xml version="1.0" encoding="utf-8"?>
+<file path=ppt/slides/slide13.xml><?xml version="1.0" encoding="utf-8"?>
 <p:sld xmlns:a="http://schemas.openxmlformats.org/drawingml/2006/main" xmlns:r="http://schemas.openxmlformats.org/officeDocument/2006/relationships" xmlns:p="http://schemas.openxmlformats.org/presentationml/2006/main">
   <p:cSld>
     <p:spTree>
@@ -3819,6 +3969,36 @@
     <p:extLst>
       <p:ext uri="{BB962C8B-B14F-4D97-AF65-F5344CB8AC3E}">
         <p14:creationId xmlns:p14="http://schemas.microsoft.com/office/powerpoint/2010/main" val="2376423995"/>
+      </p:ext>
+    </p:extLst>
+  </p:cSld>
+  <p:clrMapOvr>
+    <a:masterClrMapping/>
+  </p:clrMapOvr>
+</p:sld>
+</file>
+
+<file path=ppt/slides/slide14.xml><?xml version="1.0" encoding="utf-8"?>
+<p:sld xmlns:a="http://schemas.openxmlformats.org/drawingml/2006/main" xmlns:r="http://schemas.openxmlformats.org/officeDocument/2006/relationships" xmlns:p="http://schemas.openxmlformats.org/presentationml/2006/main">
+  <p:cSld>
+    <p:spTree>
+      <p:nvGrpSpPr>
+        <p:cNvPr id="1" name=""/>
+        <p:cNvGrpSpPr/>
+        <p:nvPr/>
+      </p:nvGrpSpPr>
+      <p:grpSpPr>
+        <a:xfrm>
+          <a:off x="0" y="0"/>
+          <a:ext cx="0" cy="0"/>
+          <a:chOff x="0" y="0"/>
+          <a:chExt cx="0" cy="0"/>
+        </a:xfrm>
+      </p:grpSpPr>
+    </p:spTree>
+    <p:extLst>
+      <p:ext uri="{BB962C8B-B14F-4D97-AF65-F5344CB8AC3E}">
+        <p14:creationId xmlns:p14="http://schemas.microsoft.com/office/powerpoint/2010/main" val="2232149638"/>
       </p:ext>
     </p:extLst>
   </p:cSld>
@@ -5332,12 +5512,8 @@
                     <a:lstStyle/>
                     <a:p>
                       <a:r>
-                        <a:rPr lang="cs-CZ"/>
-                        <a:t>39 </a:t>
-                      </a:r>
-                      <a:r>
                         <a:rPr lang="cs-CZ" dirty="0"/>
-                        <a:t>Kč</a:t>
+                        <a:t>39 Kč</a:t>
                       </a:r>
                     </a:p>
                   </a:txBody>
@@ -5520,20 +5696,20 @@
       </p:grpSpPr>
       <p:sp>
         <p:nvSpPr>
-          <p:cNvPr id="2" name="Obdélník 1">
-            <a:extLst>
-              <a:ext uri="{FF2B5EF4-FFF2-40B4-BE49-F238E27FC236}">
-                <a16:creationId xmlns:a16="http://schemas.microsoft.com/office/drawing/2014/main" id="{85729C03-EC6F-4C4D-94CA-25A0D5634029}"/>
-              </a:ext>
-            </a:extLst>
-          </p:cNvPr>
-          <p:cNvSpPr/>
+          <p:cNvPr id="3" name="TextovéPole 2">
+            <a:extLst>
+              <a:ext uri="{FF2B5EF4-FFF2-40B4-BE49-F238E27FC236}">
+                <a16:creationId xmlns:a16="http://schemas.microsoft.com/office/drawing/2014/main" id="{89938F68-83AE-8B7B-5019-962628CF3CA3}"/>
+              </a:ext>
+            </a:extLst>
+          </p:cNvPr>
+          <p:cNvSpPr txBox="1"/>
           <p:nvPr/>
         </p:nvSpPr>
         <p:spPr>
           <a:xfrm>
-            <a:off x="4010337" y="2644170"/>
-            <a:ext cx="4171335" cy="1569660"/>
+            <a:off x="1302326" y="6423999"/>
+            <a:ext cx="7583055" cy="369332"/>
           </a:xfrm>
           <a:prstGeom prst="rect">
             <a:avLst/>
@@ -5541,26 +5717,231 @@
           <a:noFill/>
         </p:spPr>
         <p:txBody>
+          <a:bodyPr wrap="square">
+            <a:spAutoFit/>
+          </a:bodyPr>
+          <a:lstStyle/>
+          <a:p>
+            <a:r>
+              <a:rPr lang="cs-CZ" dirty="0">
+                <a:hlinkClick r:id="rId2"/>
+              </a:rPr>
+              <a:t>GM </a:t>
+            </a:r>
+            <a:r>
+              <a:rPr lang="cs-CZ" dirty="0" err="1">
+                <a:hlinkClick r:id="rId2"/>
+              </a:rPr>
+              <a:t>electronic</a:t>
+            </a:r>
+            <a:r>
+              <a:rPr lang="cs-CZ" dirty="0">
+                <a:hlinkClick r:id="rId2"/>
+              </a:rPr>
+              <a:t> | elektronické součástky, komponenty - 4x IR detekční čidla</a:t>
+            </a:r>
+            <a:endParaRPr lang="cs-CZ" dirty="0"/>
+          </a:p>
+        </p:txBody>
+      </p:sp>
+      <p:pic>
+        <p:nvPicPr>
+          <p:cNvPr id="1026" name="Picture 2" descr="4x IR detekční čidla ">
+            <a:extLst>
+              <a:ext uri="{FF2B5EF4-FFF2-40B4-BE49-F238E27FC236}">
+                <a16:creationId xmlns:a16="http://schemas.microsoft.com/office/drawing/2014/main" id="{5D744A19-47E2-A582-3F2F-A1F17A0B56E7}"/>
+              </a:ext>
+            </a:extLst>
+          </p:cNvPr>
+          <p:cNvPicPr>
+            <a:picLocks noChangeAspect="1" noChangeArrowheads="1"/>
+          </p:cNvPicPr>
+          <p:nvPr/>
+        </p:nvPicPr>
+        <p:blipFill>
+          <a:blip r:embed="rId3">
+            <a:extLst>
+              <a:ext uri="{28A0092B-C50C-407E-A947-70E740481C1C}">
+                <a14:useLocalDpi xmlns:a14="http://schemas.microsoft.com/office/drawing/2010/main" val="0"/>
+              </a:ext>
+            </a:extLst>
+          </a:blip>
+          <a:srcRect/>
+          <a:stretch>
+            <a:fillRect/>
+          </a:stretch>
+        </p:blipFill>
+        <p:spPr bwMode="auto">
+          <a:xfrm>
+            <a:off x="738910" y="275191"/>
+            <a:ext cx="2050458" cy="2050458"/>
+          </a:xfrm>
+          <a:prstGeom prst="rect">
+            <a:avLst/>
+          </a:prstGeom>
+          <a:noFill/>
+          <a:extLst>
+            <a:ext uri="{909E8E84-426E-40DD-AFC4-6F175D3DCCD1}">
+              <a14:hiddenFill xmlns:a14="http://schemas.microsoft.com/office/drawing/2010/main">
+                <a:solidFill>
+                  <a:srgbClr val="FFFFFF"/>
+                </a:solidFill>
+              </a14:hiddenFill>
+            </a:ext>
+          </a:extLst>
+        </p:spPr>
+      </p:pic>
+      <p:sp>
+        <p:nvSpPr>
+          <p:cNvPr id="6" name="TextovéPole 5">
+            <a:extLst>
+              <a:ext uri="{FF2B5EF4-FFF2-40B4-BE49-F238E27FC236}">
+                <a16:creationId xmlns:a16="http://schemas.microsoft.com/office/drawing/2014/main" id="{68B402DE-9B71-275E-9163-1E027371C7D5}"/>
+              </a:ext>
+            </a:extLst>
+          </p:cNvPr>
+          <p:cNvSpPr txBox="1"/>
+          <p:nvPr/>
+        </p:nvSpPr>
+        <p:spPr>
+          <a:xfrm>
+            <a:off x="3650672" y="275191"/>
+            <a:ext cx="7660709" cy="923330"/>
+          </a:xfrm>
+          <a:prstGeom prst="rect">
+            <a:avLst/>
+          </a:prstGeom>
+          <a:noFill/>
+        </p:spPr>
+        <p:txBody>
+          <a:bodyPr wrap="square">
+            <a:spAutoFit/>
+          </a:bodyPr>
+          <a:lstStyle/>
+          <a:p>
+            <a:pPr algn="l"/>
+            <a:r>
+              <a:rPr lang="cs-CZ" sz="5400" b="1" i="0" dirty="0">
+                <a:solidFill>
+                  <a:srgbClr val="00B0F0"/>
+                </a:solidFill>
+                <a:effectLst/>
+              </a:rPr>
+              <a:t>IR čidlo vzdálenosti</a:t>
+            </a:r>
+          </a:p>
+        </p:txBody>
+      </p:sp>
+      <p:pic>
+        <p:nvPicPr>
+          <p:cNvPr id="8" name="Obrázek 7">
+            <a:extLst>
+              <a:ext uri="{FF2B5EF4-FFF2-40B4-BE49-F238E27FC236}">
+                <a16:creationId xmlns:a16="http://schemas.microsoft.com/office/drawing/2014/main" id="{4971BBF0-5EF4-61CB-2375-31A66D80D253}"/>
+              </a:ext>
+            </a:extLst>
+          </p:cNvPr>
+          <p:cNvPicPr>
+            <a:picLocks noChangeAspect="1"/>
+          </p:cNvPicPr>
+          <p:nvPr/>
+        </p:nvPicPr>
+        <p:blipFill>
+          <a:blip r:embed="rId4"/>
+          <a:stretch>
+            <a:fillRect/>
+          </a:stretch>
+        </p:blipFill>
+        <p:spPr>
+          <a:xfrm>
+            <a:off x="76200" y="2989752"/>
+            <a:ext cx="3362287" cy="2735774"/>
+          </a:xfrm>
+          <a:prstGeom prst="rect">
+            <a:avLst/>
+          </a:prstGeom>
+        </p:spPr>
+      </p:pic>
+      <p:sp>
+        <p:nvSpPr>
+          <p:cNvPr id="9" name="Šipka: dolů 8">
+            <a:extLst>
+              <a:ext uri="{FF2B5EF4-FFF2-40B4-BE49-F238E27FC236}">
+                <a16:creationId xmlns:a16="http://schemas.microsoft.com/office/drawing/2014/main" id="{9AC1FAF4-7D03-17B8-732A-E8B0983E7A04}"/>
+              </a:ext>
+            </a:extLst>
+          </p:cNvPr>
+          <p:cNvSpPr/>
+          <p:nvPr/>
+        </p:nvSpPr>
+        <p:spPr>
+          <a:xfrm>
+            <a:off x="1154545" y="2152073"/>
+            <a:ext cx="544946" cy="757382"/>
+          </a:xfrm>
+          <a:prstGeom prst="downArrow">
+            <a:avLst/>
+          </a:prstGeom>
+        </p:spPr>
+        <p:style>
+          <a:lnRef idx="2">
+            <a:schemeClr val="accent1">
+              <a:shade val="15000"/>
+            </a:schemeClr>
+          </a:lnRef>
+          <a:fillRef idx="1">
+            <a:schemeClr val="accent1"/>
+          </a:fillRef>
+          <a:effectRef idx="0">
+            <a:schemeClr val="accent1"/>
+          </a:effectRef>
+          <a:fontRef idx="minor">
+            <a:schemeClr val="lt1"/>
+          </a:fontRef>
+        </p:style>
+        <p:txBody>
+          <a:bodyPr rtlCol="0" anchor="ctr"/>
+          <a:lstStyle/>
+          <a:p>
+            <a:pPr algn="ctr"/>
+            <a:endParaRPr lang="cs-CZ"/>
+          </a:p>
+        </p:txBody>
+      </p:sp>
+      <p:sp>
+        <p:nvSpPr>
+          <p:cNvPr id="10" name="Obdélník 9">
+            <a:extLst>
+              <a:ext uri="{FF2B5EF4-FFF2-40B4-BE49-F238E27FC236}">
+                <a16:creationId xmlns:a16="http://schemas.microsoft.com/office/drawing/2014/main" id="{3F6DDAEE-1748-1BD5-AE25-3750D805CCF0}"/>
+              </a:ext>
+            </a:extLst>
+          </p:cNvPr>
+          <p:cNvSpPr/>
+          <p:nvPr/>
+        </p:nvSpPr>
+        <p:spPr>
+          <a:xfrm>
+            <a:off x="4346289" y="2617067"/>
+            <a:ext cx="6269473" cy="584775"/>
+          </a:xfrm>
+          <a:prstGeom prst="rect">
+            <a:avLst/>
+          </a:prstGeom>
+          <a:noFill/>
+        </p:spPr>
+        <p:txBody>
           <a:bodyPr wrap="none" lIns="91440" tIns="45720" rIns="91440" bIns="45720">
             <a:spAutoFit/>
-            <a:scene3d>
-              <a:camera prst="orthographicFront"/>
-              <a:lightRig rig="soft" dir="t">
-                <a:rot lat="0" lon="0" rev="15600000"/>
-              </a:lightRig>
-            </a:scene3d>
-            <a:sp3d extrusionH="57150" prstMaterial="softEdge">
-              <a:bevelT w="25400" h="38100"/>
-            </a:sp3d>
           </a:bodyPr>
           <a:lstStyle/>
           <a:p>
             <a:pPr algn="ctr"/>
             <a:r>
-              <a:rPr lang="cs-CZ" sz="9600" b="1" dirty="0">
+              <a:rPr lang="cs-CZ" sz="3200" b="0" cap="none" spc="0" dirty="0">
                 <a:ln w="0"/>
                 <a:solidFill>
-                  <a:srgbClr val="92D050"/>
+                  <a:schemeClr val="tx1"/>
                 </a:solidFill>
                 <a:effectLst>
                   <a:outerShdw blurRad="38100" dist="19050" dir="2700000" algn="tl" rotWithShape="0">
@@ -5570,15 +5951,164 @@
                   </a:outerShdw>
                 </a:effectLst>
               </a:rPr>
-              <a:t>Schéma</a:t>
-            </a:r>
-          </a:p>
-        </p:txBody>
-      </p:sp>
+              <a:t>Použito 1 čidlo z obvodu 4 detektorů</a:t>
+            </a:r>
+          </a:p>
+        </p:txBody>
+      </p:sp>
+      <p:graphicFrame>
+        <p:nvGraphicFramePr>
+          <p:cNvPr id="11" name="Tabulka 10">
+            <a:extLst>
+              <a:ext uri="{FF2B5EF4-FFF2-40B4-BE49-F238E27FC236}">
+                <a16:creationId xmlns:a16="http://schemas.microsoft.com/office/drawing/2014/main" id="{1CA99355-BA1D-825C-D1A6-77819B2F9A9A}"/>
+              </a:ext>
+            </a:extLst>
+          </p:cNvPr>
+          <p:cNvGraphicFramePr>
+            <a:graphicFrameLocks noGrp="1"/>
+          </p:cNvGraphicFramePr>
+          <p:nvPr>
+            <p:extLst>
+              <p:ext uri="{D42A27DB-BD31-4B8C-83A1-F6EECF244321}">
+                <p14:modId xmlns:p14="http://schemas.microsoft.com/office/powerpoint/2010/main" val="4109996844"/>
+              </p:ext>
+            </p:extLst>
+          </p:nvPr>
+        </p:nvGraphicFramePr>
+        <p:xfrm>
+          <a:off x="5093853" y="3656159"/>
+          <a:ext cx="4368799" cy="1112520"/>
+        </p:xfrm>
+        <a:graphic>
+          <a:graphicData uri="http://schemas.openxmlformats.org/drawingml/2006/table">
+            <a:tbl>
+              <a:tblPr firstRow="1" bandRow="1">
+                <a:tableStyleId>{5940675A-B579-460E-94D1-54222C63F5DA}</a:tableStyleId>
+              </a:tblPr>
+              <a:tblGrid>
+                <a:gridCol w="2164218">
+                  <a:extLst>
+                    <a:ext uri="{9D8B030D-6E8A-4147-A177-3AD203B41FA5}">
+                      <a16:colId xmlns:a16="http://schemas.microsoft.com/office/drawing/2014/main" val="3668697880"/>
+                    </a:ext>
+                  </a:extLst>
+                </a:gridCol>
+                <a:gridCol w="2204581">
+                  <a:extLst>
+                    <a:ext uri="{9D8B030D-6E8A-4147-A177-3AD203B41FA5}">
+                      <a16:colId xmlns:a16="http://schemas.microsoft.com/office/drawing/2014/main" val="2743301045"/>
+                    </a:ext>
+                  </a:extLst>
+                </a:gridCol>
+              </a:tblGrid>
+              <a:tr h="370840">
+                <a:tc>
+                  <a:txBody>
+                    <a:bodyPr/>
+                    <a:lstStyle/>
+                    <a:p>
+                      <a:r>
+                        <a:rPr lang="cs-CZ" dirty="0"/>
+                        <a:t>napětí</a:t>
+                      </a:r>
+                    </a:p>
+                  </a:txBody>
+                  <a:tcPr/>
+                </a:tc>
+                <a:tc>
+                  <a:txBody>
+                    <a:bodyPr/>
+                    <a:lstStyle/>
+                    <a:p>
+                      <a:r>
+                        <a:rPr lang="cs-CZ" dirty="0"/>
+                        <a:t>3 V</a:t>
+                      </a:r>
+                    </a:p>
+                  </a:txBody>
+                  <a:tcPr/>
+                </a:tc>
+                <a:extLst>
+                  <a:ext uri="{0D108BD9-81ED-4DB2-BD59-A6C34878D82A}">
+                    <a16:rowId xmlns:a16="http://schemas.microsoft.com/office/drawing/2014/main" val="2763379569"/>
+                  </a:ext>
+                </a:extLst>
+              </a:tr>
+              <a:tr h="370840">
+                <a:tc>
+                  <a:txBody>
+                    <a:bodyPr/>
+                    <a:lstStyle/>
+                    <a:p>
+                      <a:r>
+                        <a:rPr lang="cs-CZ" dirty="0"/>
+                        <a:t>Detekční vzdálenost</a:t>
+                      </a:r>
+                    </a:p>
+                  </a:txBody>
+                  <a:tcPr/>
+                </a:tc>
+                <a:tc>
+                  <a:txBody>
+                    <a:bodyPr/>
+                    <a:lstStyle/>
+                    <a:p>
+                      <a:r>
+                        <a:rPr lang="cs-CZ" dirty="0"/>
+                        <a:t>0,1 – 60 cm</a:t>
+                      </a:r>
+                    </a:p>
+                  </a:txBody>
+                  <a:tcPr/>
+                </a:tc>
+                <a:extLst>
+                  <a:ext uri="{0D108BD9-81ED-4DB2-BD59-A6C34878D82A}">
+                    <a16:rowId xmlns:a16="http://schemas.microsoft.com/office/drawing/2014/main" val="3173064803"/>
+                  </a:ext>
+                </a:extLst>
+              </a:tr>
+              <a:tr h="370840">
+                <a:tc>
+                  <a:txBody>
+                    <a:bodyPr/>
+                    <a:lstStyle/>
+                    <a:p>
+                      <a:r>
+                        <a:rPr lang="cs-CZ" dirty="0"/>
+                        <a:t>cena (GME.cz)</a:t>
+                      </a:r>
+                    </a:p>
+                  </a:txBody>
+                  <a:tcPr/>
+                </a:tc>
+                <a:tc>
+                  <a:txBody>
+                    <a:bodyPr/>
+                    <a:lstStyle/>
+                    <a:p>
+                      <a:r>
+                        <a:rPr lang="cs-CZ" dirty="0"/>
+                        <a:t>75 Kč</a:t>
+                      </a:r>
+                    </a:p>
+                  </a:txBody>
+                  <a:tcPr/>
+                </a:tc>
+                <a:extLst>
+                  <a:ext uri="{0D108BD9-81ED-4DB2-BD59-A6C34878D82A}">
+                    <a16:rowId xmlns:a16="http://schemas.microsoft.com/office/drawing/2014/main" val="4095675759"/>
+                  </a:ext>
+                </a:extLst>
+              </a:tr>
+            </a:tbl>
+          </a:graphicData>
+        </a:graphic>
+      </p:graphicFrame>
     </p:spTree>
     <p:extLst>
       <p:ext uri="{BB962C8B-B14F-4D97-AF65-F5344CB8AC3E}">
-        <p14:creationId xmlns:p14="http://schemas.microsoft.com/office/powerpoint/2010/main" val="2507415835"/>
+        <p14:creationId xmlns:p14="http://schemas.microsoft.com/office/powerpoint/2010/main" val="1458802687"/>
       </p:ext>
     </p:extLst>
   </p:cSld>
@@ -5605,10 +6135,67 @@
           <a:chExt cx="0" cy="0"/>
         </a:xfrm>
       </p:grpSpPr>
+      <p:sp>
+        <p:nvSpPr>
+          <p:cNvPr id="2" name="Obdélník 1">
+            <a:extLst>
+              <a:ext uri="{FF2B5EF4-FFF2-40B4-BE49-F238E27FC236}">
+                <a16:creationId xmlns:a16="http://schemas.microsoft.com/office/drawing/2014/main" id="{85729C03-EC6F-4C4D-94CA-25A0D5634029}"/>
+              </a:ext>
+            </a:extLst>
+          </p:cNvPr>
+          <p:cNvSpPr/>
+          <p:nvPr/>
+        </p:nvSpPr>
+        <p:spPr>
+          <a:xfrm>
+            <a:off x="4010337" y="2644170"/>
+            <a:ext cx="4171335" cy="1569660"/>
+          </a:xfrm>
+          <a:prstGeom prst="rect">
+            <a:avLst/>
+          </a:prstGeom>
+          <a:noFill/>
+        </p:spPr>
+        <p:txBody>
+          <a:bodyPr wrap="none" lIns="91440" tIns="45720" rIns="91440" bIns="45720">
+            <a:spAutoFit/>
+            <a:scene3d>
+              <a:camera prst="orthographicFront"/>
+              <a:lightRig rig="soft" dir="t">
+                <a:rot lat="0" lon="0" rev="15600000"/>
+              </a:lightRig>
+            </a:scene3d>
+            <a:sp3d extrusionH="57150" prstMaterial="softEdge">
+              <a:bevelT w="25400" h="38100"/>
+            </a:sp3d>
+          </a:bodyPr>
+          <a:lstStyle/>
+          <a:p>
+            <a:pPr algn="ctr"/>
+            <a:r>
+              <a:rPr lang="cs-CZ" sz="9600" b="1" dirty="0">
+                <a:ln w="0"/>
+                <a:solidFill>
+                  <a:srgbClr val="92D050"/>
+                </a:solidFill>
+                <a:effectLst>
+                  <a:outerShdw blurRad="38100" dist="19050" dir="2700000" algn="tl" rotWithShape="0">
+                    <a:schemeClr val="dk1">
+                      <a:alpha val="40000"/>
+                    </a:schemeClr>
+                  </a:outerShdw>
+                </a:effectLst>
+              </a:rPr>
+              <a:t>Schéma</a:t>
+            </a:r>
+          </a:p>
+        </p:txBody>
+      </p:sp>
     </p:spTree>
     <p:extLst>
       <p:ext uri="{BB962C8B-B14F-4D97-AF65-F5344CB8AC3E}">
-        <p14:creationId xmlns:p14="http://schemas.microsoft.com/office/powerpoint/2010/main" val="2596901404"/>
+        <p14:creationId xmlns:p14="http://schemas.microsoft.com/office/powerpoint/2010/main" val="2507415835"/>
       </p:ext>
     </p:extLst>
   </p:cSld>
@@ -5635,67 +6222,70 @@
           <a:chExt cx="0" cy="0"/>
         </a:xfrm>
       </p:grpSpPr>
-      <p:sp>
-        <p:nvSpPr>
-          <p:cNvPr id="2" name="Obdélník 1">
-            <a:extLst>
-              <a:ext uri="{FF2B5EF4-FFF2-40B4-BE49-F238E27FC236}">
-                <a16:creationId xmlns:a16="http://schemas.microsoft.com/office/drawing/2014/main" id="{85729C03-EC6F-4C4D-94CA-25A0D5634029}"/>
-              </a:ext>
-            </a:extLst>
-          </p:cNvPr>
-          <p:cNvSpPr/>
+      <p:pic>
+        <p:nvPicPr>
+          <p:cNvPr id="7" name="Obrázek 6">
+            <a:extLst>
+              <a:ext uri="{FF2B5EF4-FFF2-40B4-BE49-F238E27FC236}">
+                <a16:creationId xmlns:a16="http://schemas.microsoft.com/office/drawing/2014/main" id="{F98E16E6-3150-81B0-8E69-71095CA8DDEB}"/>
+              </a:ext>
+            </a:extLst>
+          </p:cNvPr>
+          <p:cNvPicPr>
+            <a:picLocks noChangeAspect="1"/>
+          </p:cNvPicPr>
           <p:nvPr/>
-        </p:nvSpPr>
+        </p:nvPicPr>
+        <p:blipFill>
+          <a:blip r:embed="rId2"/>
+          <a:stretch>
+            <a:fillRect/>
+          </a:stretch>
+        </p:blipFill>
         <p:spPr>
           <a:xfrm>
-            <a:off x="3476670" y="2644170"/>
-            <a:ext cx="5238678" cy="1569660"/>
+            <a:off x="0" y="806022"/>
+            <a:ext cx="12192000" cy="4266902"/>
           </a:xfrm>
           <a:prstGeom prst="rect">
             <a:avLst/>
           </a:prstGeom>
-          <a:noFill/>
         </p:spPr>
-        <p:txBody>
-          <a:bodyPr wrap="none" lIns="91440" tIns="45720" rIns="91440" bIns="45720">
-            <a:spAutoFit/>
-            <a:scene3d>
-              <a:camera prst="orthographicFront"/>
-              <a:lightRig rig="soft" dir="t">
-                <a:rot lat="0" lon="0" rev="15600000"/>
-              </a:lightRig>
-            </a:scene3d>
-            <a:sp3d extrusionH="57150" prstMaterial="softEdge">
-              <a:bevelT w="25400" h="38100"/>
-            </a:sp3d>
-          </a:bodyPr>
-          <a:lstStyle/>
-          <a:p>
-            <a:pPr algn="ctr"/>
-            <a:r>
-              <a:rPr lang="cs-CZ" sz="9600" b="1" dirty="0">
-                <a:ln w="0"/>
-                <a:solidFill>
-                  <a:srgbClr val="92D050"/>
-                </a:solidFill>
-                <a:effectLst>
-                  <a:outerShdw blurRad="38100" dist="19050" dir="2700000" algn="tl" rotWithShape="0">
-                    <a:schemeClr val="dk1">
-                      <a:alpha val="40000"/>
-                    </a:schemeClr>
-                  </a:outerShdw>
-                </a:effectLst>
-              </a:rPr>
-              <a:t>Nastavení</a:t>
-            </a:r>
-          </a:p>
-        </p:txBody>
-      </p:sp>
+      </p:pic>
+      <p:pic>
+        <p:nvPicPr>
+          <p:cNvPr id="9" name="Obrázek 8">
+            <a:extLst>
+              <a:ext uri="{FF2B5EF4-FFF2-40B4-BE49-F238E27FC236}">
+                <a16:creationId xmlns:a16="http://schemas.microsoft.com/office/drawing/2014/main" id="{08D776F1-BC57-9F25-A889-6604FFD63945}"/>
+              </a:ext>
+            </a:extLst>
+          </p:cNvPr>
+          <p:cNvPicPr>
+            <a:picLocks noChangeAspect="1"/>
+          </p:cNvPicPr>
+          <p:nvPr/>
+        </p:nvPicPr>
+        <p:blipFill>
+          <a:blip r:embed="rId3"/>
+          <a:stretch>
+            <a:fillRect/>
+          </a:stretch>
+        </p:blipFill>
+        <p:spPr>
+          <a:xfrm>
+            <a:off x="326124" y="4839854"/>
+            <a:ext cx="1599513" cy="1812781"/>
+          </a:xfrm>
+          <a:prstGeom prst="rect">
+            <a:avLst/>
+          </a:prstGeom>
+        </p:spPr>
+      </p:pic>
     </p:spTree>
     <p:extLst>
       <p:ext uri="{BB962C8B-B14F-4D97-AF65-F5344CB8AC3E}">
-        <p14:creationId xmlns:p14="http://schemas.microsoft.com/office/powerpoint/2010/main" val="1060748795"/>
+        <p14:creationId xmlns:p14="http://schemas.microsoft.com/office/powerpoint/2010/main" val="2596901404"/>
       </p:ext>
     </p:extLst>
   </p:cSld>
@@ -5727,7 +6317,7 @@
           <p:cNvPr id="3" name="Obrázek 2">
             <a:extLst>
               <a:ext uri="{FF2B5EF4-FFF2-40B4-BE49-F238E27FC236}">
-                <a16:creationId xmlns:a16="http://schemas.microsoft.com/office/drawing/2014/main" id="{DB6A57E6-7E9A-28B0-FB55-F0A0056ECB82}"/>
+                <a16:creationId xmlns:a16="http://schemas.microsoft.com/office/drawing/2014/main" id="{FA73CDD7-9FFA-9051-A20E-FB8C936C606F}"/>
               </a:ext>
             </a:extLst>
           </p:cNvPr>
@@ -5744,18 +6334,146 @@
         </p:blipFill>
         <p:spPr>
           <a:xfrm>
-            <a:off x="727913" y="1118865"/>
-            <a:ext cx="10736173" cy="4620270"/>
+            <a:off x="3542943" y="90021"/>
+            <a:ext cx="5106113" cy="6677957"/>
           </a:xfrm>
           <a:prstGeom prst="rect">
             <a:avLst/>
           </a:prstGeom>
         </p:spPr>
       </p:pic>
+      <p:sp>
+        <p:nvSpPr>
+          <p:cNvPr id="5" name="TextovéPole 4">
+            <a:extLst>
+              <a:ext uri="{FF2B5EF4-FFF2-40B4-BE49-F238E27FC236}">
+                <a16:creationId xmlns:a16="http://schemas.microsoft.com/office/drawing/2014/main" id="{11D8FA70-D2CB-93A9-0503-988644C3FF8E}"/>
+              </a:ext>
+            </a:extLst>
+          </p:cNvPr>
+          <p:cNvSpPr txBox="1"/>
+          <p:nvPr/>
+        </p:nvSpPr>
+        <p:spPr>
+          <a:xfrm>
+            <a:off x="0" y="4549676"/>
+            <a:ext cx="2530764" cy="2308324"/>
+          </a:xfrm>
+          <a:prstGeom prst="rect">
+            <a:avLst/>
+          </a:prstGeom>
+          <a:noFill/>
+        </p:spPr>
+        <p:txBody>
+          <a:bodyPr wrap="square">
+            <a:spAutoFit/>
+          </a:bodyPr>
+          <a:lstStyle/>
+          <a:p>
+            <a:r>
+              <a:rPr lang="cs-CZ" dirty="0" err="1">
+                <a:hlinkClick r:id="rId3"/>
+              </a:rPr>
+              <a:t>Datasheet</a:t>
+            </a:r>
+            <a:r>
+              <a:rPr lang="cs-CZ" dirty="0">
+                <a:hlinkClick r:id="rId3"/>
+              </a:rPr>
+              <a:t> - STM32F303xB STM32F303xC - </a:t>
+            </a:r>
+            <a:r>
+              <a:rPr lang="cs-CZ" dirty="0" err="1">
+                <a:hlinkClick r:id="rId3"/>
+              </a:rPr>
+              <a:t>Arm</a:t>
+            </a:r>
+            <a:r>
+              <a:rPr lang="cs-CZ" dirty="0">
+                <a:hlinkClick r:id="rId3"/>
+              </a:rPr>
+              <a:t>®-</a:t>
+            </a:r>
+            <a:r>
+              <a:rPr lang="cs-CZ" dirty="0" err="1">
+                <a:hlinkClick r:id="rId3"/>
+              </a:rPr>
+              <a:t>based</a:t>
+            </a:r>
+            <a:r>
+              <a:rPr lang="cs-CZ" dirty="0">
+                <a:hlinkClick r:id="rId3"/>
+              </a:rPr>
+              <a:t> </a:t>
+            </a:r>
+            <a:r>
+              <a:rPr lang="cs-CZ" dirty="0" err="1">
+                <a:hlinkClick r:id="rId3"/>
+              </a:rPr>
+              <a:t>Cortex</a:t>
+            </a:r>
+            <a:r>
+              <a:rPr lang="cs-CZ" dirty="0">
+                <a:hlinkClick r:id="rId3"/>
+              </a:rPr>
+              <a:t>®-M4 32b MCU+FPU, up to 256KB </a:t>
+            </a:r>
+            <a:r>
+              <a:rPr lang="cs-CZ" dirty="0" err="1">
+                <a:hlinkClick r:id="rId3"/>
+              </a:rPr>
+              <a:t>Flash</a:t>
+            </a:r>
+            <a:r>
+              <a:rPr lang="cs-CZ" dirty="0">
+                <a:hlinkClick r:id="rId3"/>
+              </a:rPr>
+              <a:t>+ 48KB SRAM, 4 </a:t>
+            </a:r>
+            <a:r>
+              <a:rPr lang="cs-CZ" dirty="0" err="1">
+                <a:hlinkClick r:id="rId3"/>
+              </a:rPr>
+              <a:t>ADCs</a:t>
+            </a:r>
+            <a:r>
+              <a:rPr lang="cs-CZ" dirty="0">
+                <a:hlinkClick r:id="rId3"/>
+              </a:rPr>
+              <a:t>, 2 DAC ch., 7 </a:t>
+            </a:r>
+            <a:r>
+              <a:rPr lang="cs-CZ" dirty="0" err="1">
+                <a:hlinkClick r:id="rId3"/>
+              </a:rPr>
+              <a:t>comp</a:t>
+            </a:r>
+            <a:r>
+              <a:rPr lang="cs-CZ" dirty="0">
+                <a:hlinkClick r:id="rId3"/>
+              </a:rPr>
+              <a:t>, 4 PGA, </a:t>
+            </a:r>
+            <a:r>
+              <a:rPr lang="cs-CZ" dirty="0" err="1">
+                <a:hlinkClick r:id="rId3"/>
+              </a:rPr>
+              <a:t>timers</a:t>
+            </a:r>
+            <a:r>
+              <a:rPr lang="cs-CZ" dirty="0">
+                <a:hlinkClick r:id="rId3"/>
+              </a:rPr>
+              <a:t>, 2.0-3.6 V</a:t>
+            </a:r>
+            <a:endParaRPr lang="cs-CZ" dirty="0"/>
+          </a:p>
+        </p:txBody>
+      </p:sp>
     </p:spTree>
     <p:extLst>
       <p:ext uri="{BB962C8B-B14F-4D97-AF65-F5344CB8AC3E}">
-        <p14:creationId xmlns:p14="http://schemas.microsoft.com/office/powerpoint/2010/main" val="1989555302"/>
+        <p14:creationId xmlns:p14="http://schemas.microsoft.com/office/powerpoint/2010/main" val="2388874740"/>
       </p:ext>
     </p:extLst>
   </p:cSld>

--- a/Prezentace.pptx
+++ b/Prezentace.pptx
@@ -19,6 +19,8 @@
     <p:sldId id="270" r:id="rId13"/>
     <p:sldId id="269" r:id="rId14"/>
     <p:sldId id="273" r:id="rId15"/>
+    <p:sldId id="274" r:id="rId16"/>
+    <p:sldId id="275" r:id="rId17"/>
   </p:sldIdLst>
   <p:sldSz cx="12192000" cy="6858000"/>
   <p:notesSz cx="6858000" cy="9144000"/>
@@ -272,7 +274,7 @@
           <a:p>
             <a:fld id="{0665521D-4E4E-409C-A4D9-9D6D8E23D14B}" type="datetimeFigureOut">
               <a:rPr lang="cs-CZ" smtClean="0"/>
-              <a:t>10.12.2023</a:t>
+              <a:t>11.12.2023</a:t>
             </a:fld>
             <a:endParaRPr lang="cs-CZ"/>
           </a:p>
@@ -470,7 +472,7 @@
           <a:p>
             <a:fld id="{0665521D-4E4E-409C-A4D9-9D6D8E23D14B}" type="datetimeFigureOut">
               <a:rPr lang="cs-CZ" smtClean="0"/>
-              <a:t>10.12.2023</a:t>
+              <a:t>11.12.2023</a:t>
             </a:fld>
             <a:endParaRPr lang="cs-CZ"/>
           </a:p>
@@ -678,7 +680,7 @@
           <a:p>
             <a:fld id="{0665521D-4E4E-409C-A4D9-9D6D8E23D14B}" type="datetimeFigureOut">
               <a:rPr lang="cs-CZ" smtClean="0"/>
-              <a:t>10.12.2023</a:t>
+              <a:t>11.12.2023</a:t>
             </a:fld>
             <a:endParaRPr lang="cs-CZ"/>
           </a:p>
@@ -876,7 +878,7 @@
           <a:p>
             <a:fld id="{0665521D-4E4E-409C-A4D9-9D6D8E23D14B}" type="datetimeFigureOut">
               <a:rPr lang="cs-CZ" smtClean="0"/>
-              <a:t>10.12.2023</a:t>
+              <a:t>11.12.2023</a:t>
             </a:fld>
             <a:endParaRPr lang="cs-CZ"/>
           </a:p>
@@ -1151,7 +1153,7 @@
           <a:p>
             <a:fld id="{0665521D-4E4E-409C-A4D9-9D6D8E23D14B}" type="datetimeFigureOut">
               <a:rPr lang="cs-CZ" smtClean="0"/>
-              <a:t>10.12.2023</a:t>
+              <a:t>11.12.2023</a:t>
             </a:fld>
             <a:endParaRPr lang="cs-CZ"/>
           </a:p>
@@ -1416,7 +1418,7 @@
           <a:p>
             <a:fld id="{0665521D-4E4E-409C-A4D9-9D6D8E23D14B}" type="datetimeFigureOut">
               <a:rPr lang="cs-CZ" smtClean="0"/>
-              <a:t>10.12.2023</a:t>
+              <a:t>11.12.2023</a:t>
             </a:fld>
             <a:endParaRPr lang="cs-CZ"/>
           </a:p>
@@ -1828,7 +1830,7 @@
           <a:p>
             <a:fld id="{0665521D-4E4E-409C-A4D9-9D6D8E23D14B}" type="datetimeFigureOut">
               <a:rPr lang="cs-CZ" smtClean="0"/>
-              <a:t>10.12.2023</a:t>
+              <a:t>11.12.2023</a:t>
             </a:fld>
             <a:endParaRPr lang="cs-CZ"/>
           </a:p>
@@ -1969,7 +1971,7 @@
           <a:p>
             <a:fld id="{0665521D-4E4E-409C-A4D9-9D6D8E23D14B}" type="datetimeFigureOut">
               <a:rPr lang="cs-CZ" smtClean="0"/>
-              <a:t>10.12.2023</a:t>
+              <a:t>11.12.2023</a:t>
             </a:fld>
             <a:endParaRPr lang="cs-CZ"/>
           </a:p>
@@ -2082,7 +2084,7 @@
           <a:p>
             <a:fld id="{0665521D-4E4E-409C-A4D9-9D6D8E23D14B}" type="datetimeFigureOut">
               <a:rPr lang="cs-CZ" smtClean="0"/>
-              <a:t>10.12.2023</a:t>
+              <a:t>11.12.2023</a:t>
             </a:fld>
             <a:endParaRPr lang="cs-CZ"/>
           </a:p>
@@ -2393,7 +2395,7 @@
           <a:p>
             <a:fld id="{0665521D-4E4E-409C-A4D9-9D6D8E23D14B}" type="datetimeFigureOut">
               <a:rPr lang="cs-CZ" smtClean="0"/>
-              <a:t>10.12.2023</a:t>
+              <a:t>11.12.2023</a:t>
             </a:fld>
             <a:endParaRPr lang="cs-CZ"/>
           </a:p>
@@ -2681,7 +2683,7 @@
           <a:p>
             <a:fld id="{0665521D-4E4E-409C-A4D9-9D6D8E23D14B}" type="datetimeFigureOut">
               <a:rPr lang="cs-CZ" smtClean="0"/>
-              <a:t>10.12.2023</a:t>
+              <a:t>11.12.2023</a:t>
             </a:fld>
             <a:endParaRPr lang="cs-CZ"/>
           </a:p>
@@ -2922,7 +2924,7 @@
           <a:p>
             <a:fld id="{0665521D-4E4E-409C-A4D9-9D6D8E23D14B}" type="datetimeFigureOut">
               <a:rPr lang="cs-CZ" smtClean="0"/>
-              <a:t>10.12.2023</a:t>
+              <a:t>11.12.2023</a:t>
             </a:fld>
             <a:endParaRPr lang="cs-CZ"/>
           </a:p>
@@ -3878,6 +3880,36 @@
           </a:prstGeom>
         </p:spPr>
       </p:pic>
+      <p:pic>
+        <p:nvPicPr>
+          <p:cNvPr id="4" name="Obrázek 3">
+            <a:extLst>
+              <a:ext uri="{FF2B5EF4-FFF2-40B4-BE49-F238E27FC236}">
+                <a16:creationId xmlns:a16="http://schemas.microsoft.com/office/drawing/2014/main" id="{826A0301-8C72-1D3F-1BEC-3EB9FAE4EA45}"/>
+              </a:ext>
+            </a:extLst>
+          </p:cNvPr>
+          <p:cNvPicPr>
+            <a:picLocks noChangeAspect="1"/>
+          </p:cNvPicPr>
+          <p:nvPr/>
+        </p:nvPicPr>
+        <p:blipFill>
+          <a:blip r:embed="rId5"/>
+          <a:stretch>
+            <a:fillRect/>
+          </a:stretch>
+        </p:blipFill>
+        <p:spPr>
+          <a:xfrm>
+            <a:off x="6231718" y="4371913"/>
+            <a:ext cx="5344271" cy="1895740"/>
+          </a:xfrm>
+          <a:prstGeom prst="rect">
+            <a:avLst/>
+          </a:prstGeom>
+        </p:spPr>
+      </p:pic>
     </p:spTree>
     <p:extLst>
       <p:ext uri="{BB962C8B-B14F-4D97-AF65-F5344CB8AC3E}">
@@ -3995,10 +4027,340 @@
           <a:chExt cx="0" cy="0"/>
         </a:xfrm>
       </p:grpSpPr>
+      <p:pic>
+        <p:nvPicPr>
+          <p:cNvPr id="3" name="Obrázek 2">
+            <a:extLst>
+              <a:ext uri="{FF2B5EF4-FFF2-40B4-BE49-F238E27FC236}">
+                <a16:creationId xmlns:a16="http://schemas.microsoft.com/office/drawing/2014/main" id="{6C3672D2-38B8-AD19-3AD7-A13601219500}"/>
+              </a:ext>
+            </a:extLst>
+          </p:cNvPr>
+          <p:cNvPicPr>
+            <a:picLocks noChangeAspect="1"/>
+          </p:cNvPicPr>
+          <p:nvPr/>
+        </p:nvPicPr>
+        <p:blipFill>
+          <a:blip r:embed="rId2"/>
+          <a:stretch>
+            <a:fillRect/>
+          </a:stretch>
+        </p:blipFill>
+        <p:spPr>
+          <a:xfrm>
+            <a:off x="352919" y="252015"/>
+            <a:ext cx="5334744" cy="3620005"/>
+          </a:xfrm>
+          <a:prstGeom prst="rect">
+            <a:avLst/>
+          </a:prstGeom>
+        </p:spPr>
+      </p:pic>
+      <p:pic>
+        <p:nvPicPr>
+          <p:cNvPr id="7" name="Obrázek 6">
+            <a:extLst>
+              <a:ext uri="{FF2B5EF4-FFF2-40B4-BE49-F238E27FC236}">
+                <a16:creationId xmlns:a16="http://schemas.microsoft.com/office/drawing/2014/main" id="{F8A24256-5913-3A60-5445-BC951507C49C}"/>
+              </a:ext>
+            </a:extLst>
+          </p:cNvPr>
+          <p:cNvPicPr>
+            <a:picLocks noChangeAspect="1"/>
+          </p:cNvPicPr>
+          <p:nvPr/>
+        </p:nvPicPr>
+        <p:blipFill>
+          <a:blip r:embed="rId3"/>
+          <a:stretch>
+            <a:fillRect/>
+          </a:stretch>
+        </p:blipFill>
+        <p:spPr>
+          <a:xfrm>
+            <a:off x="6504339" y="252015"/>
+            <a:ext cx="4439270" cy="2810267"/>
+          </a:xfrm>
+          <a:prstGeom prst="rect">
+            <a:avLst/>
+          </a:prstGeom>
+        </p:spPr>
+      </p:pic>
+      <p:pic>
+        <p:nvPicPr>
+          <p:cNvPr id="9" name="Obrázek 8">
+            <a:extLst>
+              <a:ext uri="{FF2B5EF4-FFF2-40B4-BE49-F238E27FC236}">
+                <a16:creationId xmlns:a16="http://schemas.microsoft.com/office/drawing/2014/main" id="{FAC4B723-05A5-D1EF-020E-69DFA9C7AC8E}"/>
+              </a:ext>
+            </a:extLst>
+          </p:cNvPr>
+          <p:cNvPicPr>
+            <a:picLocks noChangeAspect="1"/>
+          </p:cNvPicPr>
+          <p:nvPr/>
+        </p:nvPicPr>
+        <p:blipFill>
+          <a:blip r:embed="rId4"/>
+          <a:stretch>
+            <a:fillRect/>
+          </a:stretch>
+        </p:blipFill>
+        <p:spPr>
+          <a:xfrm>
+            <a:off x="965329" y="4369822"/>
+            <a:ext cx="8487960" cy="1905266"/>
+          </a:xfrm>
+          <a:prstGeom prst="rect">
+            <a:avLst/>
+          </a:prstGeom>
+        </p:spPr>
+      </p:pic>
     </p:spTree>
     <p:extLst>
       <p:ext uri="{BB962C8B-B14F-4D97-AF65-F5344CB8AC3E}">
         <p14:creationId xmlns:p14="http://schemas.microsoft.com/office/powerpoint/2010/main" val="2232149638"/>
+      </p:ext>
+    </p:extLst>
+  </p:cSld>
+  <p:clrMapOvr>
+    <a:masterClrMapping/>
+  </p:clrMapOvr>
+</p:sld>
+</file>
+
+<file path=ppt/slides/slide15.xml><?xml version="1.0" encoding="utf-8"?>
+<p:sld xmlns:a="http://schemas.openxmlformats.org/drawingml/2006/main" xmlns:r="http://schemas.openxmlformats.org/officeDocument/2006/relationships" xmlns:p="http://schemas.openxmlformats.org/presentationml/2006/main">
+  <p:cSld>
+    <p:spTree>
+      <p:nvGrpSpPr>
+        <p:cNvPr id="1" name=""/>
+        <p:cNvGrpSpPr/>
+        <p:nvPr/>
+      </p:nvGrpSpPr>
+      <p:grpSpPr>
+        <a:xfrm>
+          <a:off x="0" y="0"/>
+          <a:ext cx="0" cy="0"/>
+          <a:chOff x="0" y="0"/>
+          <a:chExt cx="0" cy="0"/>
+        </a:xfrm>
+      </p:grpSpPr>
+      <p:pic>
+        <p:nvPicPr>
+          <p:cNvPr id="3" name="Obrázek 2">
+            <a:extLst>
+              <a:ext uri="{FF2B5EF4-FFF2-40B4-BE49-F238E27FC236}">
+                <a16:creationId xmlns:a16="http://schemas.microsoft.com/office/drawing/2014/main" id="{C9B00605-C6AB-91B4-41BA-2F8B3B29CDDC}"/>
+              </a:ext>
+            </a:extLst>
+          </p:cNvPr>
+          <p:cNvPicPr>
+            <a:picLocks noChangeAspect="1"/>
+          </p:cNvPicPr>
+          <p:nvPr/>
+        </p:nvPicPr>
+        <p:blipFill>
+          <a:blip r:embed="rId2"/>
+          <a:stretch>
+            <a:fillRect/>
+          </a:stretch>
+        </p:blipFill>
+        <p:spPr>
+          <a:xfrm>
+            <a:off x="80962" y="114711"/>
+            <a:ext cx="6211167" cy="4448796"/>
+          </a:xfrm>
+          <a:prstGeom prst="rect">
+            <a:avLst/>
+          </a:prstGeom>
+        </p:spPr>
+      </p:pic>
+      <p:pic>
+        <p:nvPicPr>
+          <p:cNvPr id="4" name="Obrázek 3">
+            <a:extLst>
+              <a:ext uri="{FF2B5EF4-FFF2-40B4-BE49-F238E27FC236}">
+                <a16:creationId xmlns:a16="http://schemas.microsoft.com/office/drawing/2014/main" id="{760531C7-3FEC-9E5C-5FD2-516387267560}"/>
+              </a:ext>
+            </a:extLst>
+          </p:cNvPr>
+          <p:cNvPicPr>
+            <a:picLocks noChangeAspect="1"/>
+          </p:cNvPicPr>
+          <p:nvPr/>
+        </p:nvPicPr>
+        <p:blipFill>
+          <a:blip r:embed="rId3"/>
+          <a:stretch>
+            <a:fillRect/>
+          </a:stretch>
+        </p:blipFill>
+        <p:spPr>
+          <a:xfrm>
+            <a:off x="6169891" y="215070"/>
+            <a:ext cx="5839640" cy="2305372"/>
+          </a:xfrm>
+          <a:prstGeom prst="rect">
+            <a:avLst/>
+          </a:prstGeom>
+        </p:spPr>
+      </p:pic>
+      <p:pic>
+        <p:nvPicPr>
+          <p:cNvPr id="6" name="Obrázek 5">
+            <a:extLst>
+              <a:ext uri="{FF2B5EF4-FFF2-40B4-BE49-F238E27FC236}">
+                <a16:creationId xmlns:a16="http://schemas.microsoft.com/office/drawing/2014/main" id="{D1EF38F5-5F9F-57B0-3DF9-AFE3AE2A4AD7}"/>
+              </a:ext>
+            </a:extLst>
+          </p:cNvPr>
+          <p:cNvPicPr>
+            <a:picLocks noChangeAspect="1"/>
+          </p:cNvPicPr>
+          <p:nvPr/>
+        </p:nvPicPr>
+        <p:blipFill>
+          <a:blip r:embed="rId4"/>
+          <a:stretch>
+            <a:fillRect/>
+          </a:stretch>
+        </p:blipFill>
+        <p:spPr>
+          <a:xfrm>
+            <a:off x="6730649" y="3865672"/>
+            <a:ext cx="5029902" cy="2562583"/>
+          </a:xfrm>
+          <a:prstGeom prst="rect">
+            <a:avLst/>
+          </a:prstGeom>
+        </p:spPr>
+      </p:pic>
+    </p:spTree>
+    <p:extLst>
+      <p:ext uri="{BB962C8B-B14F-4D97-AF65-F5344CB8AC3E}">
+        <p14:creationId xmlns:p14="http://schemas.microsoft.com/office/powerpoint/2010/main" val="521374911"/>
+      </p:ext>
+    </p:extLst>
+  </p:cSld>
+  <p:clrMapOvr>
+    <a:masterClrMapping/>
+  </p:clrMapOvr>
+</p:sld>
+</file>
+
+<file path=ppt/slides/slide16.xml><?xml version="1.0" encoding="utf-8"?>
+<p:sld xmlns:a="http://schemas.openxmlformats.org/drawingml/2006/main" xmlns:r="http://schemas.openxmlformats.org/officeDocument/2006/relationships" xmlns:p="http://schemas.openxmlformats.org/presentationml/2006/main">
+  <p:cSld>
+    <p:spTree>
+      <p:nvGrpSpPr>
+        <p:cNvPr id="1" name=""/>
+        <p:cNvGrpSpPr/>
+        <p:nvPr/>
+      </p:nvGrpSpPr>
+      <p:grpSpPr>
+        <a:xfrm>
+          <a:off x="0" y="0"/>
+          <a:ext cx="0" cy="0"/>
+          <a:chOff x="0" y="0"/>
+          <a:chExt cx="0" cy="0"/>
+        </a:xfrm>
+      </p:grpSpPr>
+      <p:pic>
+        <p:nvPicPr>
+          <p:cNvPr id="3" name="Obrázek 2">
+            <a:extLst>
+              <a:ext uri="{FF2B5EF4-FFF2-40B4-BE49-F238E27FC236}">
+                <a16:creationId xmlns:a16="http://schemas.microsoft.com/office/drawing/2014/main" id="{088D05A5-69EF-0C34-6C4A-9FF570B9D1BD}"/>
+              </a:ext>
+            </a:extLst>
+          </p:cNvPr>
+          <p:cNvPicPr>
+            <a:picLocks noChangeAspect="1"/>
+          </p:cNvPicPr>
+          <p:nvPr/>
+        </p:nvPicPr>
+        <p:blipFill>
+          <a:blip r:embed="rId2"/>
+          <a:stretch>
+            <a:fillRect/>
+          </a:stretch>
+        </p:blipFill>
+        <p:spPr>
+          <a:xfrm>
+            <a:off x="360956" y="250403"/>
+            <a:ext cx="3896269" cy="1905266"/>
+          </a:xfrm>
+          <a:prstGeom prst="rect">
+            <a:avLst/>
+          </a:prstGeom>
+        </p:spPr>
+      </p:pic>
+      <p:pic>
+        <p:nvPicPr>
+          <p:cNvPr id="5" name="Obrázek 4">
+            <a:extLst>
+              <a:ext uri="{FF2B5EF4-FFF2-40B4-BE49-F238E27FC236}">
+                <a16:creationId xmlns:a16="http://schemas.microsoft.com/office/drawing/2014/main" id="{029E8A49-EB31-3D71-C240-E9986C1E1B6E}"/>
+              </a:ext>
+            </a:extLst>
+          </p:cNvPr>
+          <p:cNvPicPr>
+            <a:picLocks noChangeAspect="1"/>
+          </p:cNvPicPr>
+          <p:nvPr/>
+        </p:nvPicPr>
+        <p:blipFill>
+          <a:blip r:embed="rId3"/>
+          <a:stretch>
+            <a:fillRect/>
+          </a:stretch>
+        </p:blipFill>
+        <p:spPr>
+          <a:xfrm>
+            <a:off x="6885637" y="87044"/>
+            <a:ext cx="5163271" cy="3839111"/>
+          </a:xfrm>
+          <a:prstGeom prst="rect">
+            <a:avLst/>
+          </a:prstGeom>
+        </p:spPr>
+      </p:pic>
+      <p:pic>
+        <p:nvPicPr>
+          <p:cNvPr id="7" name="Obrázek 6">
+            <a:extLst>
+              <a:ext uri="{FF2B5EF4-FFF2-40B4-BE49-F238E27FC236}">
+                <a16:creationId xmlns:a16="http://schemas.microsoft.com/office/drawing/2014/main" id="{9C6DC954-4E23-AA03-5A93-610DF5CA130F}"/>
+              </a:ext>
+            </a:extLst>
+          </p:cNvPr>
+          <p:cNvPicPr>
+            <a:picLocks noChangeAspect="1"/>
+          </p:cNvPicPr>
+          <p:nvPr/>
+        </p:nvPicPr>
+        <p:blipFill>
+          <a:blip r:embed="rId4"/>
+          <a:stretch>
+            <a:fillRect/>
+          </a:stretch>
+        </p:blipFill>
+        <p:spPr>
+          <a:xfrm>
+            <a:off x="4775982" y="250403"/>
+            <a:ext cx="1590897" cy="1124107"/>
+          </a:xfrm>
+          <a:prstGeom prst="rect">
+            <a:avLst/>
+          </a:prstGeom>
+        </p:spPr>
+      </p:pic>
+    </p:spTree>
+    <p:extLst>
+      <p:ext uri="{BB962C8B-B14F-4D97-AF65-F5344CB8AC3E}">
+        <p14:creationId xmlns:p14="http://schemas.microsoft.com/office/powerpoint/2010/main" val="615715512"/>
       </p:ext>
     </p:extLst>
   </p:cSld>
